--- a/SoS/230802_SoS分科会第6回進め方のご相談_rev.0.pptx
+++ b/SoS/230802_SoS分科会第6回進め方のご相談_rev.0.pptx
@@ -5,7 +5,7 @@
     <p:sldMasterId id="2147483756" r:id="rId1"/>
   </p:sldMasterIdLst>
   <p:notesMasterIdLst>
-    <p:notesMasterId r:id="rId15"/>
+    <p:notesMasterId r:id="rId14"/>
   </p:notesMasterIdLst>
   <p:sldIdLst>
     <p:sldId id="269" r:id="rId2"/>
@@ -14,13 +14,12 @@
     <p:sldId id="543" r:id="rId5"/>
     <p:sldId id="292" r:id="rId6"/>
     <p:sldId id="540" r:id="rId7"/>
-    <p:sldId id="549" r:id="rId8"/>
-    <p:sldId id="545" r:id="rId9"/>
-    <p:sldId id="544" r:id="rId10"/>
-    <p:sldId id="546" r:id="rId11"/>
-    <p:sldId id="547" r:id="rId12"/>
-    <p:sldId id="550" r:id="rId13"/>
-    <p:sldId id="286" r:id="rId14"/>
+    <p:sldId id="545" r:id="rId8"/>
+    <p:sldId id="549" r:id="rId9"/>
+    <p:sldId id="546" r:id="rId10"/>
+    <p:sldId id="547" r:id="rId11"/>
+    <p:sldId id="550" r:id="rId12"/>
+    <p:sldId id="286" r:id="rId13"/>
   </p:sldIdLst>
   <p:sldSz cx="12192000" cy="6858000"/>
   <p:notesSz cx="6858000" cy="9144000"/>
@@ -576,7 +575,7 @@
           <a:p>
             <a:fld id="{234BF75D-FAA7-4C74-927E-D481AAC481B6}" type="slidenum">
               <a:rPr kumimoji="1" lang="ja-JP" altLang="en-US" smtClean="0"/>
-              <a:t>13</a:t>
+              <a:t>12</a:t>
             </a:fld>
             <a:endParaRPr kumimoji="1" lang="ja-JP" altLang="en-US"/>
           </a:p>
@@ -9218,7 +9217,7 @@
             </a:r>
             <a:r>
               <a:rPr lang="ja-JP" altLang="en-US" dirty="0"/>
-              <a:t>の事例：電力インフラ</a:t>
+              <a:t>の事例：鉄道の相互直通運転（相互乗入）の運行管理</a:t>
             </a:r>
             <a:endParaRPr lang="en-US" dirty="0"/>
           </a:p>
@@ -9277,53 +9276,48 @@
           <a:p>
             <a:r>
               <a:rPr lang="ja-JP" altLang="en-US" dirty="0"/>
-              <a:t>電力システム改革：発送電分離・自由化によって、需要家の利便性を維持しつつ、複数事業者間の連携方法が必要。</a:t>
+              <a:t>全体の乗換混雑緩和のために、他社の車両を借りて、自社路線を自社の運転士が運転する。</a:t>
             </a:r>
             <a:endParaRPr lang="en-US" altLang="ja-JP" dirty="0"/>
           </a:p>
           <a:p>
             <a:r>
               <a:rPr lang="ja-JP" altLang="en-US" dirty="0"/>
-              <a:t>再生可能エネルギーの導入：需要家を含めた分散型電源、自然の不確実性、供給側の脱炭素化のために、需給連携が必要。（デマンドレスポンス、</a:t>
-            </a:r>
+              <a:t>運転距離や乗客数に応じて、事業者間の車両賃貸料金を抑えたり、運賃収入を分配する。</a:t>
+            </a:r>
+            <a:endParaRPr lang="en-US" altLang="ja-JP" dirty="0"/>
+          </a:p>
+          <a:p>
+            <a:r>
+              <a:rPr lang="ja-JP" altLang="en-US" dirty="0"/>
+              <a:t>相互乗入区間のダイヤ改正は、事業者間の利害を調整しながら、多くの時間を要する。</a:t>
+            </a:r>
+            <a:endParaRPr lang="en-US" altLang="ja-JP" dirty="0"/>
+          </a:p>
+          <a:p>
+            <a:endParaRPr lang="en-US" altLang="ja-JP" dirty="0"/>
+          </a:p>
+          <a:p>
             <a:r>
               <a:rPr lang="en-US" altLang="ja-JP" dirty="0"/>
-              <a:t>VPP</a:t>
+              <a:t>5</a:t>
             </a:r>
             <a:r>
               <a:rPr lang="ja-JP" altLang="en-US" dirty="0"/>
-              <a:t>、</a:t>
-            </a:r>
-            <a:r>
-              <a:rPr lang="en-US" altLang="ja-JP" dirty="0"/>
-              <a:t>P2P</a:t>
-            </a:r>
+              <a:t>社相互直通運転のための運行管理システム（東京メトロ、日立製作所）</a:t>
+            </a:r>
+            <a:endParaRPr lang="en-US" altLang="ja-JP" dirty="0"/>
+          </a:p>
+          <a:p>
+            <a:pPr lvl="1"/>
             <a:r>
               <a:rPr lang="ja-JP" altLang="en-US" dirty="0"/>
-              <a:t>、</a:t>
-            </a:r>
-            <a:r>
-              <a:rPr lang="en-US" altLang="ja-JP" dirty="0"/>
-              <a:t>FPP</a:t>
-            </a:r>
-            <a:r>
-              <a:rPr lang="ja-JP" altLang="en-US" dirty="0"/>
-              <a:t>、</a:t>
-            </a:r>
-            <a:r>
-              <a:rPr lang="en-US" altLang="ja-JP" dirty="0"/>
-              <a:t>TES</a:t>
-            </a:r>
-            <a:r>
-              <a:rPr lang="ja-JP" altLang="en-US" dirty="0"/>
-              <a:t>）</a:t>
+              <a:t>要素システム間の境界における相互作用を厳密に設計している</a:t>
             </a:r>
             <a:endParaRPr lang="en-US" altLang="ja-JP" dirty="0"/>
           </a:p>
           <a:p>
-            <a:endParaRPr lang="en-US" altLang="ja-JP" dirty="0"/>
-          </a:p>
-          <a:p>
+            <a:pPr lvl="1"/>
             <a:endParaRPr lang="en-US" altLang="ja-JP" dirty="0"/>
           </a:p>
         </p:txBody>
@@ -9331,7 +9325,7 @@
     </p:spTree>
     <p:extLst>
       <p:ext uri="{BB962C8B-B14F-4D97-AF65-F5344CB8AC3E}">
-        <p14:creationId xmlns:p14="http://schemas.microsoft.com/office/powerpoint/2010/main" val="1547100331"/>
+        <p14:creationId xmlns:p14="http://schemas.microsoft.com/office/powerpoint/2010/main" val="1561192505"/>
       </p:ext>
     </p:extLst>
   </p:cSld>
@@ -9380,12 +9374,8 @@
           <a:lstStyle/>
           <a:p>
             <a:r>
-              <a:rPr lang="en-US" altLang="ja-JP" dirty="0"/>
-              <a:t>SoS</a:t>
-            </a:r>
-            <a:r>
               <a:rPr lang="ja-JP" altLang="en-US" dirty="0"/>
-              <a:t>の事例：鉄道の相互直通運転（相互乗入）の運行管理</a:t>
+              <a:t>まとめ</a:t>
             </a:r>
             <a:endParaRPr lang="en-US" dirty="0"/>
           </a:p>
@@ -9444,48 +9434,31 @@
           <a:p>
             <a:r>
               <a:rPr lang="ja-JP" altLang="en-US" dirty="0"/>
-              <a:t>全体の乗換混雑緩和のために、他社の車両を借りて、自社路線を自社の運転士が運転する。</a:t>
+              <a:t>まずは、来週前半にこの提言を分科会事務局に話してみる。</a:t>
             </a:r>
             <a:endParaRPr lang="en-US" altLang="ja-JP" dirty="0"/>
           </a:p>
           <a:p>
             <a:r>
               <a:rPr lang="ja-JP" altLang="en-US" dirty="0"/>
-              <a:t>運転距離や乗客数に応じて、事業者間の車両賃貸料金を抑えたり、運賃収入を分配する。</a:t>
-            </a:r>
-            <a:endParaRPr lang="en-US" altLang="ja-JP" dirty="0"/>
-          </a:p>
-          <a:p>
+              <a:t>第</a:t>
+            </a:r>
+            <a:r>
+              <a:rPr lang="en-US" altLang="ja-JP" dirty="0"/>
+              <a:t>6</a:t>
+            </a:r>
             <a:r>
               <a:rPr lang="ja-JP" altLang="en-US" dirty="0"/>
-              <a:t>相互乗入区間のダイヤ改正は、事業者間の利害を調整しながら、多くの時間を要する。</a:t>
-            </a:r>
-            <a:endParaRPr lang="en-US" altLang="ja-JP" dirty="0"/>
-          </a:p>
-          <a:p>
-            <a:endParaRPr lang="en-US" altLang="ja-JP" dirty="0"/>
-          </a:p>
-          <a:p>
+              <a:t>回（</a:t>
+            </a:r>
             <a:r>
               <a:rPr lang="en-US" altLang="ja-JP" dirty="0"/>
-              <a:t>5</a:t>
+              <a:t>8/30</a:t>
             </a:r>
             <a:r>
               <a:rPr lang="ja-JP" altLang="en-US" dirty="0"/>
-              <a:t>社相互直通運転のための運行管理システム（東京メトロ、日立製作所）</a:t>
-            </a:r>
-            <a:endParaRPr lang="en-US" altLang="ja-JP" dirty="0"/>
-          </a:p>
-          <a:p>
-            <a:pPr lvl="1"/>
-            <a:r>
-              <a:rPr lang="ja-JP" altLang="en-US" dirty="0"/>
-              <a:t>要素システム間の境界における相互作用を厳密に設計している</a:t>
-            </a:r>
-            <a:endParaRPr lang="en-US" altLang="ja-JP" dirty="0"/>
-          </a:p>
-          <a:p>
-            <a:pPr lvl="1"/>
+              <a:t>）に、このままの内容をメンバーに話してみるか、事務局の方で引き取ってもらうか、相談する。</a:t>
+            </a:r>
             <a:endParaRPr lang="en-US" altLang="ja-JP" dirty="0"/>
           </a:p>
         </p:txBody>
@@ -9493,7 +9466,7 @@
     </p:spTree>
     <p:extLst>
       <p:ext uri="{BB962C8B-B14F-4D97-AF65-F5344CB8AC3E}">
-        <p14:creationId xmlns:p14="http://schemas.microsoft.com/office/powerpoint/2010/main" val="1561192505"/>
+        <p14:creationId xmlns:p14="http://schemas.microsoft.com/office/powerpoint/2010/main" val="534514034"/>
       </p:ext>
     </p:extLst>
   </p:cSld>
@@ -9522,147 +9495,6 @@
       </p:grpSpPr>
       <p:sp>
         <p:nvSpPr>
-          <p:cNvPr id="5" name="タイトル 4">
-            <a:extLst>
-              <a:ext uri="{FF2B5EF4-FFF2-40B4-BE49-F238E27FC236}">
-                <a16:creationId xmlns:a16="http://schemas.microsoft.com/office/drawing/2014/main" id="{560C5BD5-1532-4087-ACF7-85710DC69FAA}"/>
-              </a:ext>
-            </a:extLst>
-          </p:cNvPr>
-          <p:cNvSpPr>
-            <a:spLocks noGrp="1"/>
-          </p:cNvSpPr>
-          <p:nvPr>
-            <p:ph type="title"/>
-          </p:nvPr>
-        </p:nvSpPr>
-        <p:spPr/>
-        <p:txBody>
-          <a:bodyPr/>
-          <a:lstStyle/>
-          <a:p>
-            <a:r>
-              <a:rPr lang="ja-JP" altLang="en-US" dirty="0"/>
-              <a:t>まとめ</a:t>
-            </a:r>
-            <a:endParaRPr lang="en-US" dirty="0"/>
-          </a:p>
-        </p:txBody>
-      </p:sp>
-      <p:sp>
-        <p:nvSpPr>
-          <p:cNvPr id="3" name="スライド番号プレースホルダー 2">
-            <a:extLst>
-              <a:ext uri="{FF2B5EF4-FFF2-40B4-BE49-F238E27FC236}">
-                <a16:creationId xmlns:a16="http://schemas.microsoft.com/office/drawing/2014/main" id="{ED23190D-575C-49DE-8293-87C3C1C8D779}"/>
-              </a:ext>
-            </a:extLst>
-          </p:cNvPr>
-          <p:cNvSpPr>
-            <a:spLocks noGrp="1"/>
-          </p:cNvSpPr>
-          <p:nvPr>
-            <p:ph type="sldNum" sz="quarter" idx="10"/>
-          </p:nvPr>
-        </p:nvSpPr>
-        <p:spPr/>
-        <p:txBody>
-          <a:bodyPr/>
-          <a:lstStyle/>
-          <a:p>
-            <a:fld id="{584EAAFE-CFE5-40AD-8E95-5BFF290DC5CF}" type="slidenum">
-              <a:rPr kumimoji="1" lang="ja-JP" altLang="en-US" smtClean="0"/>
-              <a:pPr/>
-              <a:t>12</a:t>
-            </a:fld>
-            <a:endParaRPr kumimoji="1" lang="ja-JP" altLang="en-US"/>
-          </a:p>
-        </p:txBody>
-      </p:sp>
-      <p:sp>
-        <p:nvSpPr>
-          <p:cNvPr id="9" name="テキスト プレースホルダー 8">
-            <a:extLst>
-              <a:ext uri="{FF2B5EF4-FFF2-40B4-BE49-F238E27FC236}">
-                <a16:creationId xmlns:a16="http://schemas.microsoft.com/office/drawing/2014/main" id="{A809889B-886C-09D3-E0E0-05C8C4A3F3EE}"/>
-              </a:ext>
-            </a:extLst>
-          </p:cNvPr>
-          <p:cNvSpPr>
-            <a:spLocks noGrp="1"/>
-          </p:cNvSpPr>
-          <p:nvPr>
-            <p:ph type="body" sz="quarter" idx="11"/>
-          </p:nvPr>
-        </p:nvSpPr>
-        <p:spPr/>
-        <p:txBody>
-          <a:bodyPr/>
-          <a:lstStyle/>
-          <a:p>
-            <a:r>
-              <a:rPr lang="ja-JP" altLang="en-US" dirty="0"/>
-              <a:t>まずは、来週前半にこの提言を分科会事務局に話してみる。</a:t>
-            </a:r>
-            <a:endParaRPr lang="en-US" altLang="ja-JP" dirty="0"/>
-          </a:p>
-          <a:p>
-            <a:r>
-              <a:rPr lang="ja-JP" altLang="en-US" dirty="0"/>
-              <a:t>第</a:t>
-            </a:r>
-            <a:r>
-              <a:rPr lang="en-US" altLang="ja-JP" dirty="0"/>
-              <a:t>6</a:t>
-            </a:r>
-            <a:r>
-              <a:rPr lang="ja-JP" altLang="en-US" dirty="0"/>
-              <a:t>回（</a:t>
-            </a:r>
-            <a:r>
-              <a:rPr lang="en-US" altLang="ja-JP" dirty="0"/>
-              <a:t>8/30</a:t>
-            </a:r>
-            <a:r>
-              <a:rPr lang="ja-JP" altLang="en-US" dirty="0"/>
-              <a:t>）に、このままの内容をメンバーに話してみるか、事務局の方で引き取ってもらうか、相談する。</a:t>
-            </a:r>
-            <a:endParaRPr lang="en-US" altLang="ja-JP" dirty="0"/>
-          </a:p>
-        </p:txBody>
-      </p:sp>
-    </p:spTree>
-    <p:extLst>
-      <p:ext uri="{BB962C8B-B14F-4D97-AF65-F5344CB8AC3E}">
-        <p14:creationId xmlns:p14="http://schemas.microsoft.com/office/powerpoint/2010/main" val="534514034"/>
-      </p:ext>
-    </p:extLst>
-  </p:cSld>
-  <p:clrMapOvr>
-    <a:masterClrMapping/>
-  </p:clrMapOvr>
-</p:sld>
-</file>
-
-<file path=ppt/slides/slide13.xml><?xml version="1.0" encoding="utf-8"?>
-<p:sld xmlns:a="http://schemas.openxmlformats.org/drawingml/2006/main" xmlns:r="http://schemas.openxmlformats.org/officeDocument/2006/relationships" xmlns:p="http://schemas.openxmlformats.org/presentationml/2006/main">
-  <p:cSld>
-    <p:spTree>
-      <p:nvGrpSpPr>
-        <p:cNvPr id="1" name=""/>
-        <p:cNvGrpSpPr/>
-        <p:nvPr/>
-      </p:nvGrpSpPr>
-      <p:grpSpPr>
-        <a:xfrm>
-          <a:off x="0" y="0"/>
-          <a:ext cx="0" cy="0"/>
-          <a:chOff x="0" y="0"/>
-          <a:chExt cx="0" cy="0"/>
-        </a:xfrm>
-      </p:grpSpPr>
-      <p:sp>
-        <p:nvSpPr>
           <p:cNvPr id="2" name="スライド番号プレースホルダー 1">
             <a:extLst>
               <a:ext uri="{FF2B5EF4-FFF2-40B4-BE49-F238E27FC236}">
@@ -9685,7 +9517,7 @@
             <a:fld id="{B3001740-FA51-4383-A84C-3DA006D12C29}" type="slidenum">
               <a:rPr lang="ja-JP" altLang="en-US" smtClean="0"/>
               <a:pPr/>
-              <a:t>13</a:t>
+              <a:t>12</a:t>
             </a:fld>
             <a:endParaRPr lang="ja-JP" altLang="en-US" dirty="0"/>
           </a:p>
@@ -10190,10 +10022,10 @@
       </p:sp>
       <p:sp>
         <p:nvSpPr>
-          <p:cNvPr id="13" name="四角形: 角を丸くする 12">
-            <a:extLst>
-              <a:ext uri="{FF2B5EF4-FFF2-40B4-BE49-F238E27FC236}">
-                <a16:creationId xmlns:a16="http://schemas.microsoft.com/office/drawing/2014/main" id="{3799635E-5C7F-7446-36DD-BD30DEAB2FE2}"/>
+          <p:cNvPr id="14" name="四角形: 角を丸くする 13">
+            <a:extLst>
+              <a:ext uri="{FF2B5EF4-FFF2-40B4-BE49-F238E27FC236}">
+                <a16:creationId xmlns:a16="http://schemas.microsoft.com/office/drawing/2014/main" id="{9E278A91-7088-9548-3695-7C1F3B14E47F}"/>
               </a:ext>
             </a:extLst>
           </p:cNvPr>
@@ -10202,8 +10034,8 @@
         </p:nvSpPr>
         <p:spPr>
           <a:xfrm>
-            <a:off x="4302479" y="3929351"/>
-            <a:ext cx="1914638" cy="1050422"/>
+            <a:off x="2030248" y="3929351"/>
+            <a:ext cx="1727885" cy="1050422"/>
           </a:xfrm>
           <a:prstGeom prst="roundRect">
             <a:avLst/>
@@ -10246,10 +10078,10 @@
       </p:sp>
       <p:sp>
         <p:nvSpPr>
-          <p:cNvPr id="14" name="四角形: 角を丸くする 13">
-            <a:extLst>
-              <a:ext uri="{FF2B5EF4-FFF2-40B4-BE49-F238E27FC236}">
-                <a16:creationId xmlns:a16="http://schemas.microsoft.com/office/drawing/2014/main" id="{9E278A91-7088-9548-3695-7C1F3B14E47F}"/>
+          <p:cNvPr id="15" name="四角形: 角を丸くする 14">
+            <a:extLst>
+              <a:ext uri="{FF2B5EF4-FFF2-40B4-BE49-F238E27FC236}">
+                <a16:creationId xmlns:a16="http://schemas.microsoft.com/office/drawing/2014/main" id="{E6C2B8E7-921F-DF86-1751-18C75CA954BF}"/>
               </a:ext>
             </a:extLst>
           </p:cNvPr>
@@ -10258,8 +10090,8 @@
         </p:nvSpPr>
         <p:spPr>
           <a:xfrm>
-            <a:off x="2108538" y="3929351"/>
-            <a:ext cx="1914638" cy="1050422"/>
+            <a:off x="2030248" y="5082561"/>
+            <a:ext cx="1727886" cy="1050422"/>
           </a:xfrm>
           <a:prstGeom prst="roundRect">
             <a:avLst/>
@@ -10302,10 +10134,10 @@
       </p:sp>
       <p:sp>
         <p:nvSpPr>
-          <p:cNvPr id="15" name="四角形: 角を丸くする 14">
-            <a:extLst>
-              <a:ext uri="{FF2B5EF4-FFF2-40B4-BE49-F238E27FC236}">
-                <a16:creationId xmlns:a16="http://schemas.microsoft.com/office/drawing/2014/main" id="{E6C2B8E7-921F-DF86-1751-18C75CA954BF}"/>
+          <p:cNvPr id="17" name="矢印: 右 16">
+            <a:extLst>
+              <a:ext uri="{FF2B5EF4-FFF2-40B4-BE49-F238E27FC236}">
+                <a16:creationId xmlns:a16="http://schemas.microsoft.com/office/drawing/2014/main" id="{F5DB2445-C6A9-8545-EAA8-408B3A49FDFF}"/>
               </a:ext>
             </a:extLst>
           </p:cNvPr>
@@ -10314,18 +10146,15 @@
         </p:nvSpPr>
         <p:spPr>
           <a:xfrm>
-            <a:off x="2108538" y="5082561"/>
-            <a:ext cx="1914638" cy="1050422"/>
-          </a:xfrm>
-          <a:prstGeom prst="roundRect">
+            <a:off x="6038397" y="4827281"/>
+            <a:ext cx="481913" cy="407773"/>
+          </a:xfrm>
+          <a:prstGeom prst="rightArrow">
             <a:avLst/>
           </a:prstGeom>
           <a:solidFill>
             <a:schemeClr val="bg1"/>
           </a:solidFill>
-          <a:ln>
-            <a:prstDash val="dash"/>
-          </a:ln>
         </p:spPr>
         <p:style>
           <a:lnRef idx="2">
@@ -10358,10 +10187,147 @@
       </p:sp>
       <p:sp>
         <p:nvSpPr>
-          <p:cNvPr id="16" name="四角形: 角を丸くする 15">
-            <a:extLst>
-              <a:ext uri="{FF2B5EF4-FFF2-40B4-BE49-F238E27FC236}">
-                <a16:creationId xmlns:a16="http://schemas.microsoft.com/office/drawing/2014/main" id="{5D5DEB30-6199-0BB6-FD9D-937798D9E70D}"/>
+          <p:cNvPr id="18" name="テキスト ボックス 17">
+            <a:extLst>
+              <a:ext uri="{FF2B5EF4-FFF2-40B4-BE49-F238E27FC236}">
+                <a16:creationId xmlns:a16="http://schemas.microsoft.com/office/drawing/2014/main" id="{8C128FB7-FC87-2F7A-6F74-C3C44B587755}"/>
+              </a:ext>
+            </a:extLst>
+          </p:cNvPr>
+          <p:cNvSpPr txBox="1"/>
+          <p:nvPr/>
+        </p:nvSpPr>
+        <p:spPr>
+          <a:xfrm>
+            <a:off x="6898112" y="4677224"/>
+            <a:ext cx="4579513" cy="707886"/>
+          </a:xfrm>
+          <a:prstGeom prst="rect">
+            <a:avLst/>
+          </a:prstGeom>
+          <a:noFill/>
+        </p:spPr>
+        <p:txBody>
+          <a:bodyPr wrap="square" rtlCol="0">
+            <a:spAutoFit/>
+          </a:bodyPr>
+          <a:lstStyle/>
+          <a:p>
+            <a:r>
+              <a:rPr kumimoji="1" lang="ja-JP" altLang="en-US" sz="2000" b="1" dirty="0"/>
+              <a:t>各区分に特有な、</a:t>
+            </a:r>
+            <a:r>
+              <a:rPr kumimoji="1" lang="en-US" altLang="ja-JP" sz="2000" b="1" dirty="0"/>
+              <a:t>SoS</a:t>
+            </a:r>
+            <a:r>
+              <a:rPr kumimoji="1" lang="ja-JP" altLang="en-US" sz="2000" b="1" dirty="0"/>
+              <a:t>構築・運用の課題あるいは適切なアプローチをまとめる</a:t>
+            </a:r>
+            <a:r>
+              <a:rPr kumimoji="1" lang="ja-JP" altLang="en-US" sz="2000" dirty="0"/>
+              <a:t>など</a:t>
+            </a:r>
+          </a:p>
+        </p:txBody>
+      </p:sp>
+      <p:sp>
+        <p:nvSpPr>
+          <p:cNvPr id="19" name="テキスト ボックス 18">
+            <a:extLst>
+              <a:ext uri="{FF2B5EF4-FFF2-40B4-BE49-F238E27FC236}">
+                <a16:creationId xmlns:a16="http://schemas.microsoft.com/office/drawing/2014/main" id="{2061C719-6CCE-084F-35B4-4A3D194F588E}"/>
+              </a:ext>
+            </a:extLst>
+          </p:cNvPr>
+          <p:cNvSpPr txBox="1"/>
+          <p:nvPr/>
+        </p:nvSpPr>
+        <p:spPr>
+          <a:xfrm>
+            <a:off x="764144" y="3929351"/>
+            <a:ext cx="640344" cy="369332"/>
+          </a:xfrm>
+          <a:prstGeom prst="rect">
+            <a:avLst/>
+          </a:prstGeom>
+          <a:noFill/>
+        </p:spPr>
+        <p:txBody>
+          <a:bodyPr wrap="square" rtlCol="0">
+            <a:spAutoFit/>
+          </a:bodyPr>
+          <a:lstStyle/>
+          <a:p>
+            <a:pPr algn="ctr"/>
+            <a:r>
+              <a:rPr lang="ja-JP" altLang="en-US" dirty="0">
+                <a:solidFill>
+                  <a:schemeClr val="accent1"/>
+                </a:solidFill>
+              </a:rPr>
+              <a:t>縦軸</a:t>
+            </a:r>
+            <a:endParaRPr kumimoji="1" lang="ja-JP" altLang="en-US" dirty="0">
+              <a:solidFill>
+                <a:schemeClr val="accent1"/>
+              </a:solidFill>
+            </a:endParaRPr>
+          </a:p>
+        </p:txBody>
+      </p:sp>
+      <p:sp>
+        <p:nvSpPr>
+          <p:cNvPr id="20" name="テキスト ボックス 19">
+            <a:extLst>
+              <a:ext uri="{FF2B5EF4-FFF2-40B4-BE49-F238E27FC236}">
+                <a16:creationId xmlns:a16="http://schemas.microsoft.com/office/drawing/2014/main" id="{847A1D7F-8CE2-F82D-4E69-3886ABDDCAC6}"/>
+              </a:ext>
+            </a:extLst>
+          </p:cNvPr>
+          <p:cNvSpPr txBox="1"/>
+          <p:nvPr/>
+        </p:nvSpPr>
+        <p:spPr>
+          <a:xfrm>
+            <a:off x="1976015" y="3077333"/>
+            <a:ext cx="640344" cy="369332"/>
+          </a:xfrm>
+          <a:prstGeom prst="rect">
+            <a:avLst/>
+          </a:prstGeom>
+          <a:noFill/>
+        </p:spPr>
+        <p:txBody>
+          <a:bodyPr wrap="square" rtlCol="0">
+            <a:spAutoFit/>
+          </a:bodyPr>
+          <a:lstStyle/>
+          <a:p>
+            <a:pPr algn="ctr"/>
+            <a:r>
+              <a:rPr lang="ja-JP" altLang="en-US" dirty="0">
+                <a:solidFill>
+                  <a:schemeClr val="accent4"/>
+                </a:solidFill>
+              </a:rPr>
+              <a:t>横軸</a:t>
+            </a:r>
+            <a:endParaRPr kumimoji="1" lang="ja-JP" altLang="en-US" dirty="0">
+              <a:solidFill>
+                <a:schemeClr val="accent4"/>
+              </a:solidFill>
+            </a:endParaRPr>
+          </a:p>
+        </p:txBody>
+      </p:sp>
+      <p:sp>
+        <p:nvSpPr>
+          <p:cNvPr id="21" name="正方形/長方形 20">
+            <a:extLst>
+              <a:ext uri="{FF2B5EF4-FFF2-40B4-BE49-F238E27FC236}">
+                <a16:creationId xmlns:a16="http://schemas.microsoft.com/office/drawing/2014/main" id="{89A499D1-2A20-A0A2-C5D2-71D90B4103DE}"/>
               </a:ext>
             </a:extLst>
           </p:cNvPr>
@@ -10370,18 +10336,15 @@
         </p:nvSpPr>
         <p:spPr>
           <a:xfrm>
-            <a:off x="4302479" y="5082561"/>
-            <a:ext cx="1914638" cy="1050422"/>
-          </a:xfrm>
-          <a:prstGeom prst="roundRect">
+            <a:off x="1491994" y="3929351"/>
+            <a:ext cx="366975" cy="2203632"/>
+          </a:xfrm>
+          <a:prstGeom prst="rect">
             <a:avLst/>
           </a:prstGeom>
           <a:solidFill>
-            <a:schemeClr val="bg1"/>
+            <a:schemeClr val="accent1"/>
           </a:solidFill>
-          <a:ln>
-            <a:prstDash val="dash"/>
-          </a:ln>
         </p:spPr>
         <p:style>
           <a:lnRef idx="2">
@@ -10400,249 +10363,6 @@
           </a:fontRef>
         </p:style>
         <p:txBody>
-          <a:bodyPr rtlCol="0" anchor="ctr"/>
-          <a:lstStyle/>
-          <a:p>
-            <a:pPr algn="ctr"/>
-            <a:endParaRPr kumimoji="1" lang="ja-JP" altLang="en-US">
-              <a:solidFill>
-                <a:schemeClr val="tx1"/>
-              </a:solidFill>
-            </a:endParaRPr>
-          </a:p>
-        </p:txBody>
-      </p:sp>
-      <p:sp>
-        <p:nvSpPr>
-          <p:cNvPr id="17" name="矢印: 右 16">
-            <a:extLst>
-              <a:ext uri="{FF2B5EF4-FFF2-40B4-BE49-F238E27FC236}">
-                <a16:creationId xmlns:a16="http://schemas.microsoft.com/office/drawing/2014/main" id="{F5DB2445-C6A9-8545-EAA8-408B3A49FDFF}"/>
-              </a:ext>
-            </a:extLst>
-          </p:cNvPr>
-          <p:cNvSpPr/>
-          <p:nvPr/>
-        </p:nvSpPr>
-        <p:spPr>
-          <a:xfrm>
-            <a:off x="6581735" y="4633792"/>
-            <a:ext cx="481913" cy="407773"/>
-          </a:xfrm>
-          <a:prstGeom prst="rightArrow">
-            <a:avLst/>
-          </a:prstGeom>
-          <a:solidFill>
-            <a:schemeClr val="bg1"/>
-          </a:solidFill>
-        </p:spPr>
-        <p:style>
-          <a:lnRef idx="2">
-            <a:schemeClr val="accent1">
-              <a:shade val="50000"/>
-            </a:schemeClr>
-          </a:lnRef>
-          <a:fillRef idx="1">
-            <a:schemeClr val="accent1"/>
-          </a:fillRef>
-          <a:effectRef idx="0">
-            <a:schemeClr val="accent1"/>
-          </a:effectRef>
-          <a:fontRef idx="minor">
-            <a:schemeClr val="lt1"/>
-          </a:fontRef>
-        </p:style>
-        <p:txBody>
-          <a:bodyPr rtlCol="0" anchor="ctr"/>
-          <a:lstStyle/>
-          <a:p>
-            <a:pPr algn="ctr"/>
-            <a:endParaRPr kumimoji="1" lang="ja-JP" altLang="en-US">
-              <a:solidFill>
-                <a:schemeClr val="tx1"/>
-              </a:solidFill>
-            </a:endParaRPr>
-          </a:p>
-        </p:txBody>
-      </p:sp>
-      <p:sp>
-        <p:nvSpPr>
-          <p:cNvPr id="18" name="テキスト ボックス 17">
-            <a:extLst>
-              <a:ext uri="{FF2B5EF4-FFF2-40B4-BE49-F238E27FC236}">
-                <a16:creationId xmlns:a16="http://schemas.microsoft.com/office/drawing/2014/main" id="{8C128FB7-FC87-2F7A-6F74-C3C44B587755}"/>
-              </a:ext>
-            </a:extLst>
-          </p:cNvPr>
-          <p:cNvSpPr txBox="1"/>
-          <p:nvPr/>
-        </p:nvSpPr>
-        <p:spPr>
-          <a:xfrm>
-            <a:off x="7332451" y="4514512"/>
-            <a:ext cx="4145174" cy="646331"/>
-          </a:xfrm>
-          <a:prstGeom prst="rect">
-            <a:avLst/>
-          </a:prstGeom>
-          <a:noFill/>
-        </p:spPr>
-        <p:txBody>
-          <a:bodyPr wrap="square" rtlCol="0">
-            <a:spAutoFit/>
-          </a:bodyPr>
-          <a:lstStyle/>
-          <a:p>
-            <a:r>
-              <a:rPr kumimoji="1" lang="ja-JP" altLang="en-US" b="1" dirty="0"/>
-              <a:t>各区分に特有な、</a:t>
-            </a:r>
-            <a:r>
-              <a:rPr kumimoji="1" lang="en-US" altLang="ja-JP" b="1" dirty="0"/>
-              <a:t>SoS</a:t>
-            </a:r>
-            <a:r>
-              <a:rPr kumimoji="1" lang="ja-JP" altLang="en-US" b="1" dirty="0"/>
-              <a:t>構築・運用の課題あるいは適切なアプローチをまとめる</a:t>
-            </a:r>
-            <a:r>
-              <a:rPr kumimoji="1" lang="ja-JP" altLang="en-US" dirty="0"/>
-              <a:t>など</a:t>
-            </a:r>
-          </a:p>
-        </p:txBody>
-      </p:sp>
-      <p:sp>
-        <p:nvSpPr>
-          <p:cNvPr id="19" name="テキスト ボックス 18">
-            <a:extLst>
-              <a:ext uri="{FF2B5EF4-FFF2-40B4-BE49-F238E27FC236}">
-                <a16:creationId xmlns:a16="http://schemas.microsoft.com/office/drawing/2014/main" id="{2061C719-6CCE-084F-35B4-4A3D194F588E}"/>
-              </a:ext>
-            </a:extLst>
-          </p:cNvPr>
-          <p:cNvSpPr txBox="1"/>
-          <p:nvPr/>
-        </p:nvSpPr>
-        <p:spPr>
-          <a:xfrm>
-            <a:off x="764144" y="3929351"/>
-            <a:ext cx="640344" cy="369332"/>
-          </a:xfrm>
-          <a:prstGeom prst="rect">
-            <a:avLst/>
-          </a:prstGeom>
-          <a:noFill/>
-        </p:spPr>
-        <p:txBody>
-          <a:bodyPr wrap="square" rtlCol="0">
-            <a:spAutoFit/>
-          </a:bodyPr>
-          <a:lstStyle/>
-          <a:p>
-            <a:pPr algn="ctr"/>
-            <a:r>
-              <a:rPr lang="ja-JP" altLang="en-US" dirty="0">
-                <a:solidFill>
-                  <a:schemeClr val="accent1"/>
-                </a:solidFill>
-              </a:rPr>
-              <a:t>縦軸</a:t>
-            </a:r>
-            <a:endParaRPr kumimoji="1" lang="ja-JP" altLang="en-US" dirty="0">
-              <a:solidFill>
-                <a:schemeClr val="accent1"/>
-              </a:solidFill>
-            </a:endParaRPr>
-          </a:p>
-        </p:txBody>
-      </p:sp>
-      <p:sp>
-        <p:nvSpPr>
-          <p:cNvPr id="20" name="テキスト ボックス 19">
-            <a:extLst>
-              <a:ext uri="{FF2B5EF4-FFF2-40B4-BE49-F238E27FC236}">
-                <a16:creationId xmlns:a16="http://schemas.microsoft.com/office/drawing/2014/main" id="{847A1D7F-8CE2-F82D-4E69-3886ABDDCAC6}"/>
-              </a:ext>
-            </a:extLst>
-          </p:cNvPr>
-          <p:cNvSpPr txBox="1"/>
-          <p:nvPr/>
-        </p:nvSpPr>
-        <p:spPr>
-          <a:xfrm>
-            <a:off x="2108537" y="3077333"/>
-            <a:ext cx="640344" cy="369332"/>
-          </a:xfrm>
-          <a:prstGeom prst="rect">
-            <a:avLst/>
-          </a:prstGeom>
-          <a:noFill/>
-        </p:spPr>
-        <p:txBody>
-          <a:bodyPr wrap="square" rtlCol="0">
-            <a:spAutoFit/>
-          </a:bodyPr>
-          <a:lstStyle/>
-          <a:p>
-            <a:pPr algn="ctr"/>
-            <a:r>
-              <a:rPr lang="ja-JP" altLang="en-US" dirty="0">
-                <a:solidFill>
-                  <a:schemeClr val="accent4"/>
-                </a:solidFill>
-              </a:rPr>
-              <a:t>横軸</a:t>
-            </a:r>
-            <a:endParaRPr kumimoji="1" lang="ja-JP" altLang="en-US" dirty="0">
-              <a:solidFill>
-                <a:schemeClr val="accent4"/>
-              </a:solidFill>
-            </a:endParaRPr>
-          </a:p>
-        </p:txBody>
-      </p:sp>
-      <p:sp>
-        <p:nvSpPr>
-          <p:cNvPr id="21" name="正方形/長方形 20">
-            <a:extLst>
-              <a:ext uri="{FF2B5EF4-FFF2-40B4-BE49-F238E27FC236}">
-                <a16:creationId xmlns:a16="http://schemas.microsoft.com/office/drawing/2014/main" id="{89A499D1-2A20-A0A2-C5D2-71D90B4103DE}"/>
-              </a:ext>
-            </a:extLst>
-          </p:cNvPr>
-          <p:cNvSpPr/>
-          <p:nvPr/>
-        </p:nvSpPr>
-        <p:spPr>
-          <a:xfrm>
-            <a:off x="1491994" y="3929351"/>
-            <a:ext cx="366975" cy="2203632"/>
-          </a:xfrm>
-          <a:prstGeom prst="rect">
-            <a:avLst/>
-          </a:prstGeom>
-          <a:solidFill>
-            <a:schemeClr val="accent1"/>
-          </a:solidFill>
-        </p:spPr>
-        <p:style>
-          <a:lnRef idx="2">
-            <a:schemeClr val="accent1">
-              <a:shade val="50000"/>
-            </a:schemeClr>
-          </a:lnRef>
-          <a:fillRef idx="1">
-            <a:schemeClr val="accent1"/>
-          </a:fillRef>
-          <a:effectRef idx="0">
-            <a:schemeClr val="accent1"/>
-          </a:effectRef>
-          <a:fontRef idx="minor">
-            <a:schemeClr val="lt1"/>
-          </a:fontRef>
-        </p:style>
-        <p:txBody>
           <a:bodyPr vert="vert270" rtlCol="0" anchor="ctr"/>
           <a:lstStyle/>
           <a:p>
@@ -10680,8 +10400,8 @@
         </p:nvSpPr>
         <p:spPr>
           <a:xfrm rot="5400000">
-            <a:off x="3965202" y="1572336"/>
-            <a:ext cx="395250" cy="4108578"/>
+            <a:off x="3700160" y="1759090"/>
+            <a:ext cx="395250" cy="3735071"/>
           </a:xfrm>
           <a:prstGeom prst="rect">
             <a:avLst/>
@@ -10726,6 +10446,118 @@
               </a:rPr>
               <a:t>人とシステムの関係を表す軸</a:t>
             </a:r>
+          </a:p>
+        </p:txBody>
+      </p:sp>
+      <p:sp>
+        <p:nvSpPr>
+          <p:cNvPr id="6" name="四角形: 角を丸くする 5">
+            <a:extLst>
+              <a:ext uri="{FF2B5EF4-FFF2-40B4-BE49-F238E27FC236}">
+                <a16:creationId xmlns:a16="http://schemas.microsoft.com/office/drawing/2014/main" id="{BA11542A-6ECC-C5D6-C07C-5C43550D59FA}"/>
+              </a:ext>
+            </a:extLst>
+          </p:cNvPr>
+          <p:cNvSpPr/>
+          <p:nvPr/>
+        </p:nvSpPr>
+        <p:spPr>
+          <a:xfrm>
+            <a:off x="4037436" y="3929351"/>
+            <a:ext cx="1727885" cy="1050422"/>
+          </a:xfrm>
+          <a:prstGeom prst="roundRect">
+            <a:avLst/>
+          </a:prstGeom>
+          <a:solidFill>
+            <a:schemeClr val="bg1"/>
+          </a:solidFill>
+          <a:ln>
+            <a:prstDash val="dash"/>
+          </a:ln>
+        </p:spPr>
+        <p:style>
+          <a:lnRef idx="2">
+            <a:schemeClr val="accent1">
+              <a:shade val="50000"/>
+            </a:schemeClr>
+          </a:lnRef>
+          <a:fillRef idx="1">
+            <a:schemeClr val="accent1"/>
+          </a:fillRef>
+          <a:effectRef idx="0">
+            <a:schemeClr val="accent1"/>
+          </a:effectRef>
+          <a:fontRef idx="minor">
+            <a:schemeClr val="lt1"/>
+          </a:fontRef>
+        </p:style>
+        <p:txBody>
+          <a:bodyPr rtlCol="0" anchor="ctr"/>
+          <a:lstStyle/>
+          <a:p>
+            <a:pPr algn="ctr"/>
+            <a:endParaRPr kumimoji="1" lang="ja-JP" altLang="en-US">
+              <a:solidFill>
+                <a:schemeClr val="tx1"/>
+              </a:solidFill>
+            </a:endParaRPr>
+          </a:p>
+        </p:txBody>
+      </p:sp>
+      <p:sp>
+        <p:nvSpPr>
+          <p:cNvPr id="7" name="四角形: 角を丸くする 6">
+            <a:extLst>
+              <a:ext uri="{FF2B5EF4-FFF2-40B4-BE49-F238E27FC236}">
+                <a16:creationId xmlns:a16="http://schemas.microsoft.com/office/drawing/2014/main" id="{3280E012-1217-E2E0-8DDB-4FCD85831CB4}"/>
+              </a:ext>
+            </a:extLst>
+          </p:cNvPr>
+          <p:cNvSpPr/>
+          <p:nvPr/>
+        </p:nvSpPr>
+        <p:spPr>
+          <a:xfrm>
+            <a:off x="4037436" y="5082561"/>
+            <a:ext cx="1727885" cy="1050422"/>
+          </a:xfrm>
+          <a:prstGeom prst="roundRect">
+            <a:avLst/>
+          </a:prstGeom>
+          <a:solidFill>
+            <a:schemeClr val="bg1"/>
+          </a:solidFill>
+          <a:ln>
+            <a:prstDash val="dash"/>
+          </a:ln>
+        </p:spPr>
+        <p:style>
+          <a:lnRef idx="2">
+            <a:schemeClr val="accent1">
+              <a:shade val="50000"/>
+            </a:schemeClr>
+          </a:lnRef>
+          <a:fillRef idx="1">
+            <a:schemeClr val="accent1"/>
+          </a:fillRef>
+          <a:effectRef idx="0">
+            <a:schemeClr val="accent1"/>
+          </a:effectRef>
+          <a:fontRef idx="minor">
+            <a:schemeClr val="lt1"/>
+          </a:fontRef>
+        </p:style>
+        <p:txBody>
+          <a:bodyPr rtlCol="0" anchor="ctr"/>
+          <a:lstStyle/>
+          <a:p>
+            <a:pPr algn="ctr"/>
+            <a:endParaRPr kumimoji="1" lang="ja-JP" altLang="en-US">
+              <a:solidFill>
+                <a:schemeClr val="tx1"/>
+              </a:solidFill>
+            </a:endParaRPr>
           </a:p>
         </p:txBody>
       </p:sp>
@@ -10902,14 +10734,14 @@
             </a:r>
             <a:r>
               <a:rPr lang="ja-JP" altLang="en-US" sz="2400" dirty="0"/>
-              <a:t>の課題に注目したい</a:t>
+              <a:t>として解析したい</a:t>
             </a:r>
             <a:endParaRPr lang="en-US" altLang="ja-JP" sz="2400" dirty="0"/>
           </a:p>
           <a:p>
             <a:r>
               <a:rPr lang="ja-JP" altLang="en-US" sz="2800" dirty="0"/>
-              <a:t>その土台形成のために、熊谷から下記をご説明・提示する。</a:t>
+              <a:t>その土台形成のために、熊谷から下記をご説明する。</a:t>
             </a:r>
             <a:endParaRPr lang="en-US" altLang="ja-JP" sz="2800" dirty="0"/>
           </a:p>
@@ -11204,7 +11036,10 @@
               <a:rPr lang="ja-JP" altLang="en-US" dirty="0"/>
               <a:t>システムの定義</a:t>
             </a:r>
-            <a:endParaRPr lang="en-US" altLang="ja-JP" dirty="0"/>
+            <a:r>
+              <a:rPr lang="en-US" altLang="ja-JP" dirty="0"/>
+              <a:t>[2, 3]</a:t>
+            </a:r>
           </a:p>
           <a:p>
             <a:pPr lvl="1"/>
@@ -15851,16 +15686,12 @@
           <a:lstStyle/>
           <a:p>
             <a:r>
-              <a:rPr lang="ja-JP" altLang="en-US" dirty="0"/>
-              <a:t>議論の軸：</a:t>
-            </a:r>
-            <a:r>
               <a:rPr lang="en-US" altLang="ja-JP" dirty="0"/>
               <a:t>SoS</a:t>
             </a:r>
             <a:r>
               <a:rPr lang="ja-JP" altLang="en-US" dirty="0"/>
-              <a:t>の管理の難易度の軸</a:t>
+              <a:t>の各事例を分析する上での観点</a:t>
             </a:r>
             <a:endParaRPr lang="en-US" dirty="0"/>
           </a:p>
@@ -15915,645 +15746,149 @@
         <p:spPr>
           <a:xfrm>
             <a:off x="517055" y="1071367"/>
-            <a:ext cx="11341887" cy="518095"/>
+            <a:ext cx="11341887" cy="4123486"/>
           </a:xfrm>
         </p:spPr>
         <p:txBody>
           <a:bodyPr/>
           <a:lstStyle/>
           <a:p>
-            <a:r>
-              <a:rPr lang="ja-JP" altLang="en-US" dirty="0"/>
-              <a:t>例：</a:t>
-            </a:r>
             <a:r>
               <a:rPr lang="en-US" altLang="ja-JP" dirty="0"/>
               <a:t>SoS</a:t>
             </a:r>
             <a:r>
               <a:rPr lang="ja-JP" altLang="en-US" dirty="0"/>
-              <a:t>の全体の管理者・目的の明瞭性、要素システムの管理権限や独立性</a:t>
+              <a:t>は「協調」がキーワード</a:t>
             </a:r>
             <a:endParaRPr lang="en-US" altLang="ja-JP" dirty="0"/>
           </a:p>
-        </p:txBody>
-      </p:sp>
-      <p:sp>
-        <p:nvSpPr>
-          <p:cNvPr id="2" name="直角三角形 1">
-            <a:extLst>
-              <a:ext uri="{FF2B5EF4-FFF2-40B4-BE49-F238E27FC236}">
-                <a16:creationId xmlns:a16="http://schemas.microsoft.com/office/drawing/2014/main" id="{D7CB30A1-9FB8-5BB7-3BD3-93B60C1AE6AB}"/>
-              </a:ext>
-            </a:extLst>
-          </p:cNvPr>
-          <p:cNvSpPr/>
-          <p:nvPr/>
-        </p:nvSpPr>
-        <p:spPr>
-          <a:xfrm rot="5400000">
-            <a:off x="5711503" y="-1096625"/>
-            <a:ext cx="724829" cy="11302773"/>
-          </a:xfrm>
-          <a:prstGeom prst="rtTriangle">
-            <a:avLst/>
-          </a:prstGeom>
-          <a:solidFill>
-            <a:schemeClr val="accent4">
-              <a:lumMod val="60000"/>
-              <a:lumOff val="40000"/>
-            </a:schemeClr>
-          </a:solidFill>
-          <a:ln>
-            <a:solidFill>
-              <a:schemeClr val="accent4">
-                <a:lumMod val="75000"/>
-              </a:schemeClr>
-            </a:solidFill>
-          </a:ln>
-        </p:spPr>
-        <p:style>
-          <a:lnRef idx="2">
-            <a:schemeClr val="accent1">
-              <a:shade val="50000"/>
-            </a:schemeClr>
-          </a:lnRef>
-          <a:fillRef idx="1">
-            <a:schemeClr val="accent1"/>
-          </a:fillRef>
-          <a:effectRef idx="0">
-            <a:schemeClr val="accent1"/>
-          </a:effectRef>
-          <a:fontRef idx="minor">
-            <a:schemeClr val="lt1"/>
-          </a:fontRef>
-        </p:style>
-        <p:txBody>
-          <a:bodyPr rtlCol="0" anchor="ctr"/>
-          <a:lstStyle/>
-          <a:p>
-            <a:pPr algn="ctr"/>
-            <a:endParaRPr kumimoji="1" lang="ja-JP" altLang="en-US">
-              <a:solidFill>
-                <a:schemeClr val="tx1"/>
-              </a:solidFill>
-            </a:endParaRPr>
-          </a:p>
-        </p:txBody>
-      </p:sp>
-      <p:sp>
-        <p:nvSpPr>
-          <p:cNvPr id="4" name="直角三角形 3">
-            <a:extLst>
-              <a:ext uri="{FF2B5EF4-FFF2-40B4-BE49-F238E27FC236}">
-                <a16:creationId xmlns:a16="http://schemas.microsoft.com/office/drawing/2014/main" id="{E7282AB3-C8CC-B47D-EEDA-AC40D71EFB97}"/>
-              </a:ext>
-            </a:extLst>
-          </p:cNvPr>
-          <p:cNvSpPr/>
-          <p:nvPr/>
-        </p:nvSpPr>
-        <p:spPr>
-          <a:xfrm rot="16200000">
-            <a:off x="5717568" y="-1089708"/>
-            <a:ext cx="724829" cy="11302773"/>
-          </a:xfrm>
-          <a:prstGeom prst="rtTriangle">
-            <a:avLst/>
-          </a:prstGeom>
-          <a:solidFill>
-            <a:schemeClr val="accent3">
-              <a:lumMod val="60000"/>
-              <a:lumOff val="40000"/>
-            </a:schemeClr>
-          </a:solidFill>
-          <a:ln>
-            <a:solidFill>
-              <a:schemeClr val="accent3">
-                <a:lumMod val="75000"/>
-              </a:schemeClr>
-            </a:solidFill>
-          </a:ln>
-        </p:spPr>
-        <p:style>
-          <a:lnRef idx="2">
-            <a:schemeClr val="accent1">
-              <a:shade val="50000"/>
-            </a:schemeClr>
-          </a:lnRef>
-          <a:fillRef idx="1">
-            <a:schemeClr val="accent1"/>
-          </a:fillRef>
-          <a:effectRef idx="0">
-            <a:schemeClr val="accent1"/>
-          </a:effectRef>
-          <a:fontRef idx="minor">
-            <a:schemeClr val="lt1"/>
-          </a:fontRef>
-        </p:style>
-        <p:txBody>
-          <a:bodyPr rtlCol="0" anchor="ctr"/>
-          <a:lstStyle/>
-          <a:p>
-            <a:pPr algn="ctr"/>
-            <a:endParaRPr kumimoji="1" lang="ja-JP" altLang="en-US">
-              <a:solidFill>
-                <a:schemeClr val="tx1"/>
-              </a:solidFill>
-            </a:endParaRPr>
-          </a:p>
-        </p:txBody>
-      </p:sp>
-      <p:sp>
-        <p:nvSpPr>
-          <p:cNvPr id="6" name="テキスト ボックス 5">
-            <a:extLst>
-              <a:ext uri="{FF2B5EF4-FFF2-40B4-BE49-F238E27FC236}">
-                <a16:creationId xmlns:a16="http://schemas.microsoft.com/office/drawing/2014/main" id="{346ADEF4-07E1-5728-9A57-E6EA3583BA23}"/>
-              </a:ext>
-            </a:extLst>
-          </p:cNvPr>
-          <p:cNvSpPr txBox="1"/>
-          <p:nvPr/>
-        </p:nvSpPr>
-        <p:spPr>
-          <a:xfrm>
-            <a:off x="1249304" y="4297857"/>
-            <a:ext cx="3621535" cy="338554"/>
-          </a:xfrm>
-          <a:prstGeom prst="rect">
-            <a:avLst/>
-          </a:prstGeom>
-          <a:noFill/>
-        </p:spPr>
-        <p:txBody>
-          <a:bodyPr wrap="square" rtlCol="0">
-            <a:spAutoFit/>
-          </a:bodyPr>
-          <a:lstStyle/>
-          <a:p>
-            <a:pPr algn="ctr"/>
-            <a:r>
-              <a:rPr lang="en-US" altLang="ja-JP" sz="1600" b="1" dirty="0">
+          <a:p>
+            <a:pPr lvl="1"/>
+            <a:r>
+              <a:rPr lang="ja-JP" altLang="en-US" dirty="0"/>
+              <a:t>協調：</a:t>
+            </a:r>
+            <a:r>
+              <a:rPr lang="ja-JP" altLang="en-US" b="1" dirty="0">
                 <a:solidFill>
-                  <a:schemeClr val="bg1"/>
+                  <a:schemeClr val="accent1"/>
                 </a:solidFill>
               </a:rPr>
-              <a:t>SoS</a:t>
-            </a:r>
-            <a:r>
-              <a:rPr lang="ja-JP" altLang="en-US" sz="1600" b="1" dirty="0">
+              <a:t>利害で対立する立場同士</a:t>
+            </a:r>
+            <a:r>
+              <a:rPr lang="ja-JP" altLang="en-US" dirty="0"/>
+              <a:t>が、互いに調和して、</a:t>
+            </a:r>
+            <a:r>
+              <a:rPr lang="ja-JP" altLang="en-US" b="1" dirty="0">
                 <a:solidFill>
-                  <a:schemeClr val="bg1"/>
+                  <a:schemeClr val="accent1"/>
                 </a:solidFill>
               </a:rPr>
-              <a:t>全体の管理者・目的の明瞭性</a:t>
-            </a:r>
-            <a:endParaRPr kumimoji="1" lang="ja-JP" altLang="en-US" sz="1600" b="1" dirty="0">
-              <a:solidFill>
-                <a:schemeClr val="bg1"/>
-              </a:solidFill>
-            </a:endParaRPr>
-          </a:p>
-        </p:txBody>
-      </p:sp>
-      <p:sp>
-        <p:nvSpPr>
-          <p:cNvPr id="7" name="テキスト ボックス 6">
-            <a:extLst>
-              <a:ext uri="{FF2B5EF4-FFF2-40B4-BE49-F238E27FC236}">
-                <a16:creationId xmlns:a16="http://schemas.microsoft.com/office/drawing/2014/main" id="{51D93F1F-F423-ECEC-491D-0691DBF66508}"/>
-              </a:ext>
-            </a:extLst>
-          </p:cNvPr>
-          <p:cNvSpPr txBox="1"/>
-          <p:nvPr/>
-        </p:nvSpPr>
-        <p:spPr>
-          <a:xfrm>
-            <a:off x="6945913" y="4528980"/>
-            <a:ext cx="3621535" cy="338554"/>
-          </a:xfrm>
-          <a:prstGeom prst="rect">
-            <a:avLst/>
-          </a:prstGeom>
-          <a:noFill/>
-        </p:spPr>
-        <p:txBody>
-          <a:bodyPr wrap="square" rtlCol="0">
-            <a:spAutoFit/>
-          </a:bodyPr>
-          <a:lstStyle/>
-          <a:p>
-            <a:pPr algn="ctr"/>
-            <a:r>
-              <a:rPr lang="ja-JP" altLang="en-US" sz="1600" b="1" dirty="0">
-                <a:solidFill>
-                  <a:schemeClr val="bg1"/>
-                </a:solidFill>
-              </a:rPr>
-              <a:t>要素システムの管理・運用独立性</a:t>
-            </a:r>
-            <a:endParaRPr kumimoji="1" lang="ja-JP" altLang="en-US" sz="1600" b="1" dirty="0">
-              <a:solidFill>
-                <a:schemeClr val="bg1"/>
-              </a:solidFill>
-            </a:endParaRPr>
-          </a:p>
-        </p:txBody>
-      </p:sp>
-      <p:sp>
-        <p:nvSpPr>
-          <p:cNvPr id="8" name="正方形/長方形 7">
-            <a:extLst>
-              <a:ext uri="{FF2B5EF4-FFF2-40B4-BE49-F238E27FC236}">
-                <a16:creationId xmlns:a16="http://schemas.microsoft.com/office/drawing/2014/main" id="{FF465353-E1EF-C304-8E12-A568E25E309F}"/>
-              </a:ext>
-            </a:extLst>
-          </p:cNvPr>
-          <p:cNvSpPr/>
-          <p:nvPr/>
-        </p:nvSpPr>
-        <p:spPr>
-          <a:xfrm>
-            <a:off x="454476" y="2670562"/>
-            <a:ext cx="2520000" cy="495128"/>
-          </a:xfrm>
-          <a:prstGeom prst="rect">
-            <a:avLst/>
-          </a:prstGeom>
-          <a:solidFill>
-            <a:schemeClr val="accent1"/>
-          </a:solidFill>
-        </p:spPr>
-        <p:style>
-          <a:lnRef idx="2">
-            <a:schemeClr val="accent1">
-              <a:shade val="50000"/>
-            </a:schemeClr>
-          </a:lnRef>
-          <a:fillRef idx="1">
-            <a:schemeClr val="accent1"/>
-          </a:fillRef>
-          <a:effectRef idx="0">
-            <a:schemeClr val="accent1"/>
-          </a:effectRef>
-          <a:fontRef idx="minor">
-            <a:schemeClr val="lt1"/>
-          </a:fontRef>
-        </p:style>
-        <p:txBody>
-          <a:bodyPr rtlCol="0" anchor="ctr"/>
-          <a:lstStyle/>
-          <a:p>
-            <a:pPr algn="ctr"/>
-            <a:r>
-              <a:rPr kumimoji="1" lang="ja-JP" altLang="en-US" b="1" dirty="0">
-                <a:solidFill>
-                  <a:schemeClr val="bg1"/>
-                </a:solidFill>
-              </a:rPr>
-              <a:t>指揮命令型</a:t>
-            </a:r>
-            <a:endParaRPr kumimoji="1" lang="en-US" altLang="ja-JP" b="1" dirty="0">
-              <a:solidFill>
-                <a:schemeClr val="bg1"/>
-              </a:solidFill>
-            </a:endParaRPr>
-          </a:p>
-        </p:txBody>
-      </p:sp>
-      <p:sp>
-        <p:nvSpPr>
-          <p:cNvPr id="10" name="正方形/長方形 9">
-            <a:extLst>
-              <a:ext uri="{FF2B5EF4-FFF2-40B4-BE49-F238E27FC236}">
-                <a16:creationId xmlns:a16="http://schemas.microsoft.com/office/drawing/2014/main" id="{970B3671-CFF4-04BF-91DC-F3F0C38F63B6}"/>
-              </a:ext>
-            </a:extLst>
-          </p:cNvPr>
-          <p:cNvSpPr/>
-          <p:nvPr/>
-        </p:nvSpPr>
-        <p:spPr>
-          <a:xfrm>
-            <a:off x="3367367" y="2670562"/>
-            <a:ext cx="2520000" cy="495128"/>
-          </a:xfrm>
-          <a:prstGeom prst="rect">
-            <a:avLst/>
-          </a:prstGeom>
-          <a:solidFill>
-            <a:schemeClr val="accent1"/>
-          </a:solidFill>
-        </p:spPr>
-        <p:style>
-          <a:lnRef idx="2">
-            <a:schemeClr val="accent1">
-              <a:shade val="50000"/>
-            </a:schemeClr>
-          </a:lnRef>
-          <a:fillRef idx="1">
-            <a:schemeClr val="accent1"/>
-          </a:fillRef>
-          <a:effectRef idx="0">
-            <a:schemeClr val="accent1"/>
-          </a:effectRef>
-          <a:fontRef idx="minor">
-            <a:schemeClr val="lt1"/>
-          </a:fontRef>
-        </p:style>
-        <p:txBody>
-          <a:bodyPr rtlCol="0" anchor="ctr"/>
-          <a:lstStyle/>
-          <a:p>
-            <a:pPr algn="ctr"/>
-            <a:r>
-              <a:rPr kumimoji="1" lang="ja-JP" altLang="en-US" b="1" dirty="0">
-                <a:solidFill>
-                  <a:schemeClr val="bg1"/>
-                </a:solidFill>
-              </a:rPr>
-              <a:t>要請承認型</a:t>
-            </a:r>
-            <a:endParaRPr kumimoji="1" lang="en-US" altLang="ja-JP" b="1" dirty="0">
-              <a:solidFill>
-                <a:schemeClr val="bg1"/>
-              </a:solidFill>
-            </a:endParaRPr>
-          </a:p>
-        </p:txBody>
-      </p:sp>
-      <p:sp>
-        <p:nvSpPr>
-          <p:cNvPr id="11" name="正方形/長方形 10">
-            <a:extLst>
-              <a:ext uri="{FF2B5EF4-FFF2-40B4-BE49-F238E27FC236}">
-                <a16:creationId xmlns:a16="http://schemas.microsoft.com/office/drawing/2014/main" id="{D91900A9-F231-65A4-5433-DED0D3F46D39}"/>
-              </a:ext>
-            </a:extLst>
-          </p:cNvPr>
-          <p:cNvSpPr/>
-          <p:nvPr/>
-        </p:nvSpPr>
-        <p:spPr>
-          <a:xfrm>
-            <a:off x="6280258" y="2670562"/>
-            <a:ext cx="2520000" cy="495128"/>
-          </a:xfrm>
-          <a:prstGeom prst="rect">
-            <a:avLst/>
-          </a:prstGeom>
-          <a:solidFill>
-            <a:schemeClr val="accent1"/>
-          </a:solidFill>
-        </p:spPr>
-        <p:style>
-          <a:lnRef idx="2">
-            <a:schemeClr val="accent1">
-              <a:shade val="50000"/>
-            </a:schemeClr>
-          </a:lnRef>
-          <a:fillRef idx="1">
-            <a:schemeClr val="accent1"/>
-          </a:fillRef>
-          <a:effectRef idx="0">
-            <a:schemeClr val="accent1"/>
-          </a:effectRef>
-          <a:fontRef idx="minor">
-            <a:schemeClr val="lt1"/>
-          </a:fontRef>
-        </p:style>
-        <p:txBody>
-          <a:bodyPr rtlCol="0" anchor="ctr"/>
-          <a:lstStyle/>
-          <a:p>
-            <a:pPr algn="ctr"/>
-            <a:r>
-              <a:rPr kumimoji="1" lang="ja-JP" altLang="en-US" b="1" dirty="0">
-                <a:solidFill>
-                  <a:schemeClr val="bg1"/>
-                </a:solidFill>
-              </a:rPr>
-              <a:t>協力型</a:t>
-            </a:r>
-            <a:endParaRPr kumimoji="1" lang="en-US" altLang="ja-JP" b="1" dirty="0">
-              <a:solidFill>
-                <a:schemeClr val="bg1"/>
-              </a:solidFill>
-            </a:endParaRPr>
-          </a:p>
-        </p:txBody>
-      </p:sp>
-      <p:sp>
-        <p:nvSpPr>
-          <p:cNvPr id="12" name="正方形/長方形 11">
-            <a:extLst>
-              <a:ext uri="{FF2B5EF4-FFF2-40B4-BE49-F238E27FC236}">
-                <a16:creationId xmlns:a16="http://schemas.microsoft.com/office/drawing/2014/main" id="{A0E78837-F3C1-0E95-A208-99B7D08838CF}"/>
-              </a:ext>
-            </a:extLst>
-          </p:cNvPr>
-          <p:cNvSpPr/>
-          <p:nvPr/>
-        </p:nvSpPr>
-        <p:spPr>
-          <a:xfrm>
-            <a:off x="9193148" y="2670562"/>
-            <a:ext cx="2520000" cy="495128"/>
-          </a:xfrm>
-          <a:prstGeom prst="rect">
-            <a:avLst/>
-          </a:prstGeom>
-          <a:solidFill>
-            <a:schemeClr val="accent1"/>
-          </a:solidFill>
-        </p:spPr>
-        <p:style>
-          <a:lnRef idx="2">
-            <a:schemeClr val="accent1">
-              <a:shade val="50000"/>
-            </a:schemeClr>
-          </a:lnRef>
-          <a:fillRef idx="1">
-            <a:schemeClr val="accent1"/>
-          </a:fillRef>
-          <a:effectRef idx="0">
-            <a:schemeClr val="accent1"/>
-          </a:effectRef>
-          <a:fontRef idx="minor">
-            <a:schemeClr val="lt1"/>
-          </a:fontRef>
-        </p:style>
-        <p:txBody>
-          <a:bodyPr rtlCol="0" anchor="ctr"/>
-          <a:lstStyle/>
-          <a:p>
-            <a:pPr algn="ctr"/>
-            <a:r>
-              <a:rPr kumimoji="1" lang="ja-JP" altLang="en-US" b="1" dirty="0">
-                <a:solidFill>
-                  <a:schemeClr val="bg1"/>
-                </a:solidFill>
-              </a:rPr>
-              <a:t>仮想型</a:t>
-            </a:r>
-            <a:endParaRPr kumimoji="1" lang="en-US" altLang="ja-JP" b="1" dirty="0">
-              <a:solidFill>
-                <a:schemeClr val="bg1"/>
-              </a:solidFill>
-            </a:endParaRPr>
-          </a:p>
-        </p:txBody>
-      </p:sp>
-      <p:sp>
-        <p:nvSpPr>
-          <p:cNvPr id="13" name="テキスト ボックス 12">
-            <a:extLst>
-              <a:ext uri="{FF2B5EF4-FFF2-40B4-BE49-F238E27FC236}">
-                <a16:creationId xmlns:a16="http://schemas.microsoft.com/office/drawing/2014/main" id="{4BD18824-88BA-05CD-8EFA-670C2AB4B899}"/>
-              </a:ext>
-            </a:extLst>
-          </p:cNvPr>
-          <p:cNvSpPr txBox="1"/>
-          <p:nvPr/>
-        </p:nvSpPr>
-        <p:spPr>
-          <a:xfrm>
-            <a:off x="1179555" y="3299500"/>
-            <a:ext cx="1069841" cy="338554"/>
-          </a:xfrm>
-          <a:prstGeom prst="rect">
-            <a:avLst/>
-          </a:prstGeom>
-          <a:noFill/>
-        </p:spPr>
-        <p:txBody>
-          <a:bodyPr wrap="square" rtlCol="0">
-            <a:spAutoFit/>
-          </a:bodyPr>
-          <a:lstStyle/>
-          <a:p>
-            <a:pPr algn="ctr"/>
-            <a:r>
-              <a:rPr kumimoji="1" lang="ja-JP" altLang="en-US" sz="1600" dirty="0"/>
-              <a:t>トップダウン</a:t>
-            </a:r>
-          </a:p>
-        </p:txBody>
-      </p:sp>
-      <p:sp>
-        <p:nvSpPr>
-          <p:cNvPr id="14" name="テキスト ボックス 13">
-            <a:extLst>
-              <a:ext uri="{FF2B5EF4-FFF2-40B4-BE49-F238E27FC236}">
-                <a16:creationId xmlns:a16="http://schemas.microsoft.com/office/drawing/2014/main" id="{DE5B25B4-85D9-9857-AEC2-18F407D6DBD5}"/>
-              </a:ext>
-            </a:extLst>
-          </p:cNvPr>
-          <p:cNvSpPr txBox="1"/>
-          <p:nvPr/>
-        </p:nvSpPr>
-        <p:spPr>
-          <a:xfrm>
-            <a:off x="4092446" y="3299500"/>
-            <a:ext cx="1069841" cy="338554"/>
-          </a:xfrm>
-          <a:prstGeom prst="rect">
-            <a:avLst/>
-          </a:prstGeom>
-          <a:noFill/>
-        </p:spPr>
-        <p:txBody>
-          <a:bodyPr wrap="square" rtlCol="0">
-            <a:spAutoFit/>
-          </a:bodyPr>
-          <a:lstStyle/>
-          <a:p>
-            <a:pPr algn="ctr"/>
-            <a:r>
-              <a:rPr kumimoji="1" lang="ja-JP" altLang="en-US" sz="1600" dirty="0"/>
-              <a:t>要請</a:t>
-            </a:r>
-          </a:p>
-        </p:txBody>
-      </p:sp>
-      <p:sp>
-        <p:nvSpPr>
-          <p:cNvPr id="15" name="テキスト ボックス 14">
-            <a:extLst>
-              <a:ext uri="{FF2B5EF4-FFF2-40B4-BE49-F238E27FC236}">
-                <a16:creationId xmlns:a16="http://schemas.microsoft.com/office/drawing/2014/main" id="{C4C642D7-AE98-5223-65CF-E73C94CB248D}"/>
-              </a:ext>
-            </a:extLst>
-          </p:cNvPr>
-          <p:cNvSpPr txBox="1"/>
-          <p:nvPr/>
-        </p:nvSpPr>
-        <p:spPr>
-          <a:xfrm>
-            <a:off x="7005337" y="3298647"/>
-            <a:ext cx="1069841" cy="338554"/>
-          </a:xfrm>
-          <a:prstGeom prst="rect">
-            <a:avLst/>
-          </a:prstGeom>
-          <a:noFill/>
-        </p:spPr>
-        <p:txBody>
-          <a:bodyPr wrap="square" rtlCol="0">
-            <a:spAutoFit/>
-          </a:bodyPr>
-          <a:lstStyle/>
-          <a:p>
-            <a:pPr algn="ctr"/>
-            <a:r>
-              <a:rPr kumimoji="1" lang="ja-JP" altLang="en-US" sz="1600" dirty="0"/>
-              <a:t>誘導</a:t>
-            </a:r>
-          </a:p>
-        </p:txBody>
-      </p:sp>
-      <p:sp>
-        <p:nvSpPr>
-          <p:cNvPr id="16" name="テキスト ボックス 15">
-            <a:extLst>
-              <a:ext uri="{FF2B5EF4-FFF2-40B4-BE49-F238E27FC236}">
-                <a16:creationId xmlns:a16="http://schemas.microsoft.com/office/drawing/2014/main" id="{6C5038E9-0CD2-AF46-44CC-82B956AC8DF2}"/>
-              </a:ext>
-            </a:extLst>
-          </p:cNvPr>
-          <p:cNvSpPr txBox="1"/>
-          <p:nvPr/>
-        </p:nvSpPr>
-        <p:spPr>
-          <a:xfrm>
-            <a:off x="9918227" y="3297268"/>
-            <a:ext cx="1069841" cy="338554"/>
-          </a:xfrm>
-          <a:prstGeom prst="rect">
-            <a:avLst/>
-          </a:prstGeom>
-          <a:noFill/>
-        </p:spPr>
-        <p:txBody>
-          <a:bodyPr wrap="square" rtlCol="0">
-            <a:spAutoFit/>
-          </a:bodyPr>
-          <a:lstStyle/>
-          <a:p>
-            <a:pPr algn="ctr"/>
-            <a:r>
-              <a:rPr kumimoji="1" lang="ja-JP" altLang="en-US" sz="1600" dirty="0"/>
-              <a:t>偶発</a:t>
-            </a:r>
+              <a:t>共通の問題を解決しよう</a:t>
+            </a:r>
+            <a:r>
+              <a:rPr lang="ja-JP" altLang="en-US" dirty="0"/>
+              <a:t>とすること</a:t>
+            </a:r>
+            <a:endParaRPr lang="en-US" altLang="ja-JP" dirty="0"/>
+          </a:p>
+          <a:p>
+            <a:endParaRPr lang="en-US" altLang="ja-JP" dirty="0"/>
+          </a:p>
+          <a:p>
+            <a:r>
+              <a:rPr lang="ja-JP" altLang="en-US" dirty="0"/>
+              <a:t>協調に基づく</a:t>
+            </a:r>
+            <a:r>
+              <a:rPr lang="en-US" altLang="ja-JP" dirty="0"/>
+              <a:t>SoS</a:t>
+            </a:r>
+            <a:r>
+              <a:rPr lang="ja-JP" altLang="en-US" dirty="0"/>
+              <a:t>を分析する観点</a:t>
+            </a:r>
+            <a:endParaRPr lang="en-US" altLang="ja-JP" dirty="0"/>
+          </a:p>
+          <a:p>
+            <a:pPr lvl="1"/>
+            <a:r>
+              <a:rPr lang="en-US" altLang="ja-JP" dirty="0"/>
+              <a:t>1. </a:t>
+            </a:r>
+            <a:r>
+              <a:rPr lang="ja-JP" altLang="en-US" dirty="0"/>
+              <a:t>各要素システムは、独立な運用・管理が可能か？</a:t>
+            </a:r>
+            <a:endParaRPr lang="en-US" altLang="ja-JP" dirty="0"/>
+          </a:p>
+          <a:p>
+            <a:pPr lvl="1"/>
+            <a:r>
+              <a:rPr lang="en-US" altLang="ja-JP" dirty="0"/>
+              <a:t>2. </a:t>
+            </a:r>
+            <a:r>
+              <a:rPr lang="ja-JP" altLang="en-US" dirty="0"/>
+              <a:t>各要素システム同士は、本来利害で対立する関係か？</a:t>
+            </a:r>
+            <a:endParaRPr lang="en-US" altLang="ja-JP" dirty="0"/>
+          </a:p>
+          <a:p>
+            <a:pPr lvl="1"/>
+            <a:r>
+              <a:rPr lang="en-US" altLang="ja-JP" dirty="0"/>
+              <a:t>3. SoS</a:t>
+            </a:r>
+            <a:r>
+              <a:rPr lang="ja-JP" altLang="en-US" dirty="0"/>
+              <a:t>全体の管理者および目的は何か？</a:t>
+            </a:r>
+            <a:endParaRPr lang="en-US" altLang="ja-JP" dirty="0"/>
+          </a:p>
+          <a:p>
+            <a:pPr lvl="1"/>
+            <a:r>
+              <a:rPr lang="en-US" altLang="ja-JP" dirty="0"/>
+              <a:t>4. </a:t>
+            </a:r>
+            <a:r>
+              <a:rPr lang="ja-JP" altLang="en-US" dirty="0"/>
+              <a:t>各要素システムは、自身の利益と</a:t>
+            </a:r>
+            <a:r>
+              <a:rPr lang="en-US" altLang="ja-JP" dirty="0"/>
+              <a:t>SoS</a:t>
+            </a:r>
+            <a:r>
+              <a:rPr lang="ja-JP" altLang="en-US" dirty="0"/>
+              <a:t>全体の目的の両立が可能な構造か？</a:t>
+            </a:r>
+            <a:endParaRPr lang="en-US" altLang="ja-JP" dirty="0"/>
+          </a:p>
+          <a:p>
+            <a:pPr marL="828000" lvl="2">
+              <a:spcBef>
+                <a:spcPts val="1200"/>
+              </a:spcBef>
+              <a:buFont typeface="Wingdings" panose="05000000000000000000" pitchFamily="2" charset="2"/>
+              <a:buChar char="Ø"/>
+            </a:pPr>
+            <a:r>
+              <a:rPr lang="ja-JP" altLang="en-US" sz="1800" dirty="0"/>
+              <a:t>相互の状況に応じて、自身の利益を犠牲にして全体の目的を優先することもあるが、長期的には自身の利益に繋がるケースも含む</a:t>
+            </a:r>
+            <a:endParaRPr lang="en-US" altLang="ja-JP" sz="1800" dirty="0"/>
           </a:p>
         </p:txBody>
       </p:sp>
     </p:spTree>
     <p:extLst>
       <p:ext uri="{BB962C8B-B14F-4D97-AF65-F5344CB8AC3E}">
-        <p14:creationId xmlns:p14="http://schemas.microsoft.com/office/powerpoint/2010/main" val="854729381"/>
+        <p14:creationId xmlns:p14="http://schemas.microsoft.com/office/powerpoint/2010/main" val="3899479377"/>
       </p:ext>
     </p:extLst>
   </p:cSld>
@@ -16607,7 +15942,7 @@
             </a:r>
             <a:r>
               <a:rPr lang="ja-JP" altLang="en-US" dirty="0"/>
-              <a:t>の各事例を分析する上での観点</a:t>
+              <a:t>の分類軸</a:t>
             </a:r>
             <a:endParaRPr lang="en-US" dirty="0"/>
           </a:p>
@@ -16659,59 +15994,664 @@
             <p:ph type="body" sz="quarter" idx="11"/>
           </p:nvPr>
         </p:nvSpPr>
-        <p:spPr/>
+        <p:spPr>
+          <a:xfrm>
+            <a:off x="517055" y="1071367"/>
+            <a:ext cx="11341887" cy="518095"/>
+          </a:xfrm>
+        </p:spPr>
         <p:txBody>
           <a:bodyPr/>
           <a:lstStyle/>
           <a:p>
             <a:r>
               <a:rPr lang="ja-JP" altLang="en-US" dirty="0"/>
-              <a:t>「協調」：利害で対立する立場同士が、互いに調和して、共通の問題を解決しようとすること。</a:t>
+              <a:t>協調のタイプで分類</a:t>
             </a:r>
             <a:endParaRPr lang="en-US" altLang="ja-JP" dirty="0"/>
           </a:p>
           <a:p>
-            <a:endParaRPr lang="en-US" altLang="ja-JP" dirty="0"/>
-          </a:p>
-          <a:p>
+            <a:pPr lvl="1"/>
             <a:r>
               <a:rPr lang="ja-JP" altLang="en-US" dirty="0"/>
-              <a:t>各要素システムは独立な運用・管理が可能で、利害で対立する構造となっているか？</a:t>
-            </a:r>
-            <a:endParaRPr lang="en-US" altLang="ja-JP" dirty="0"/>
-          </a:p>
-          <a:p>
+              <a:t>例：</a:t>
+            </a:r>
+            <a:r>
+              <a:rPr lang="en-US" altLang="ja-JP" dirty="0"/>
+              <a:t>Maier</a:t>
+            </a:r>
+            <a:r>
+              <a:rPr lang="ja-JP" altLang="en-US" dirty="0"/>
+              <a:t>の分類を再解釈すると、</a:t>
+            </a:r>
             <a:r>
               <a:rPr lang="en-US" altLang="ja-JP" dirty="0"/>
               <a:t>SoS</a:t>
             </a:r>
             <a:r>
               <a:rPr lang="ja-JP" altLang="en-US" dirty="0"/>
-              <a:t>全体に共通する管理者・目的は何か？</a:t>
+              <a:t>全体の管理者の影響力や要素システムの独立性に帰結する</a:t>
             </a:r>
             <a:endParaRPr lang="en-US" altLang="ja-JP" dirty="0"/>
           </a:p>
-          <a:p>
-            <a:r>
-              <a:rPr lang="ja-JP" altLang="en-US" dirty="0"/>
-              <a:t>各要素システムは、共通の目的と自身の利益の両立を目指そうとする構造か？</a:t>
-            </a:r>
-            <a:endParaRPr lang="en-US" altLang="ja-JP" dirty="0"/>
-          </a:p>
-          <a:p>
-            <a:pPr lvl="1"/>
-            <a:r>
-              <a:rPr lang="ja-JP" altLang="en-US" dirty="0"/>
-              <a:t>相互の状況によって短期的な目的の優先度を適応的に切り替えることで、長期的に両立できるケースも含む</a:t>
-            </a:r>
-            <a:endParaRPr lang="en-US" altLang="ja-JP" dirty="0"/>
+        </p:txBody>
+      </p:sp>
+      <p:sp>
+        <p:nvSpPr>
+          <p:cNvPr id="2" name="直角三角形 1">
+            <a:extLst>
+              <a:ext uri="{FF2B5EF4-FFF2-40B4-BE49-F238E27FC236}">
+                <a16:creationId xmlns:a16="http://schemas.microsoft.com/office/drawing/2014/main" id="{D7CB30A1-9FB8-5BB7-3BD3-93B60C1AE6AB}"/>
+              </a:ext>
+            </a:extLst>
+          </p:cNvPr>
+          <p:cNvSpPr/>
+          <p:nvPr/>
+        </p:nvSpPr>
+        <p:spPr>
+          <a:xfrm rot="5400000">
+            <a:off x="5711503" y="-1096625"/>
+            <a:ext cx="724829" cy="11302773"/>
+          </a:xfrm>
+          <a:prstGeom prst="rtTriangle">
+            <a:avLst/>
+          </a:prstGeom>
+          <a:solidFill>
+            <a:schemeClr val="accent4">
+              <a:lumMod val="60000"/>
+              <a:lumOff val="40000"/>
+            </a:schemeClr>
+          </a:solidFill>
+          <a:ln>
+            <a:solidFill>
+              <a:schemeClr val="accent4">
+                <a:lumMod val="75000"/>
+              </a:schemeClr>
+            </a:solidFill>
+          </a:ln>
+        </p:spPr>
+        <p:style>
+          <a:lnRef idx="2">
+            <a:schemeClr val="accent1">
+              <a:shade val="50000"/>
+            </a:schemeClr>
+          </a:lnRef>
+          <a:fillRef idx="1">
+            <a:schemeClr val="accent1"/>
+          </a:fillRef>
+          <a:effectRef idx="0">
+            <a:schemeClr val="accent1"/>
+          </a:effectRef>
+          <a:fontRef idx="minor">
+            <a:schemeClr val="lt1"/>
+          </a:fontRef>
+        </p:style>
+        <p:txBody>
+          <a:bodyPr rtlCol="0" anchor="ctr"/>
+          <a:lstStyle/>
+          <a:p>
+            <a:pPr algn="ctr"/>
+            <a:endParaRPr kumimoji="1" lang="ja-JP" altLang="en-US">
+              <a:solidFill>
+                <a:schemeClr val="tx1"/>
+              </a:solidFill>
+            </a:endParaRPr>
+          </a:p>
+        </p:txBody>
+      </p:sp>
+      <p:sp>
+        <p:nvSpPr>
+          <p:cNvPr id="4" name="直角三角形 3">
+            <a:extLst>
+              <a:ext uri="{FF2B5EF4-FFF2-40B4-BE49-F238E27FC236}">
+                <a16:creationId xmlns:a16="http://schemas.microsoft.com/office/drawing/2014/main" id="{E7282AB3-C8CC-B47D-EEDA-AC40D71EFB97}"/>
+              </a:ext>
+            </a:extLst>
+          </p:cNvPr>
+          <p:cNvSpPr/>
+          <p:nvPr/>
+        </p:nvSpPr>
+        <p:spPr>
+          <a:xfrm rot="16200000">
+            <a:off x="5717568" y="-1089708"/>
+            <a:ext cx="724829" cy="11302773"/>
+          </a:xfrm>
+          <a:prstGeom prst="rtTriangle">
+            <a:avLst/>
+          </a:prstGeom>
+          <a:solidFill>
+            <a:schemeClr val="accent3">
+              <a:lumMod val="60000"/>
+              <a:lumOff val="40000"/>
+            </a:schemeClr>
+          </a:solidFill>
+          <a:ln>
+            <a:solidFill>
+              <a:schemeClr val="accent3">
+                <a:lumMod val="75000"/>
+              </a:schemeClr>
+            </a:solidFill>
+          </a:ln>
+        </p:spPr>
+        <p:style>
+          <a:lnRef idx="2">
+            <a:schemeClr val="accent1">
+              <a:shade val="50000"/>
+            </a:schemeClr>
+          </a:lnRef>
+          <a:fillRef idx="1">
+            <a:schemeClr val="accent1"/>
+          </a:fillRef>
+          <a:effectRef idx="0">
+            <a:schemeClr val="accent1"/>
+          </a:effectRef>
+          <a:fontRef idx="minor">
+            <a:schemeClr val="lt1"/>
+          </a:fontRef>
+        </p:style>
+        <p:txBody>
+          <a:bodyPr rtlCol="0" anchor="ctr"/>
+          <a:lstStyle/>
+          <a:p>
+            <a:pPr algn="ctr"/>
+            <a:endParaRPr kumimoji="1" lang="ja-JP" altLang="en-US">
+              <a:solidFill>
+                <a:schemeClr val="tx1"/>
+              </a:solidFill>
+            </a:endParaRPr>
+          </a:p>
+        </p:txBody>
+      </p:sp>
+      <p:sp>
+        <p:nvSpPr>
+          <p:cNvPr id="6" name="テキスト ボックス 5">
+            <a:extLst>
+              <a:ext uri="{FF2B5EF4-FFF2-40B4-BE49-F238E27FC236}">
+                <a16:creationId xmlns:a16="http://schemas.microsoft.com/office/drawing/2014/main" id="{346ADEF4-07E1-5728-9A57-E6EA3583BA23}"/>
+              </a:ext>
+            </a:extLst>
+          </p:cNvPr>
+          <p:cNvSpPr txBox="1"/>
+          <p:nvPr/>
+        </p:nvSpPr>
+        <p:spPr>
+          <a:xfrm>
+            <a:off x="1249304" y="4297857"/>
+            <a:ext cx="3621535" cy="338554"/>
+          </a:xfrm>
+          <a:prstGeom prst="rect">
+            <a:avLst/>
+          </a:prstGeom>
+          <a:noFill/>
+        </p:spPr>
+        <p:txBody>
+          <a:bodyPr wrap="square" rtlCol="0">
+            <a:spAutoFit/>
+          </a:bodyPr>
+          <a:lstStyle/>
+          <a:p>
+            <a:pPr algn="ctr"/>
+            <a:r>
+              <a:rPr lang="en-US" altLang="ja-JP" sz="1600" b="1" dirty="0">
+                <a:solidFill>
+                  <a:schemeClr val="bg1"/>
+                </a:solidFill>
+              </a:rPr>
+              <a:t>SoS</a:t>
+            </a:r>
+            <a:r>
+              <a:rPr lang="ja-JP" altLang="en-US" sz="1600" b="1" dirty="0">
+                <a:solidFill>
+                  <a:schemeClr val="bg1"/>
+                </a:solidFill>
+              </a:rPr>
+              <a:t>全体の管理者・目的の明瞭性</a:t>
+            </a:r>
+            <a:endParaRPr kumimoji="1" lang="ja-JP" altLang="en-US" sz="1600" b="1" dirty="0">
+              <a:solidFill>
+                <a:schemeClr val="bg1"/>
+              </a:solidFill>
+            </a:endParaRPr>
+          </a:p>
+        </p:txBody>
+      </p:sp>
+      <p:sp>
+        <p:nvSpPr>
+          <p:cNvPr id="7" name="テキスト ボックス 6">
+            <a:extLst>
+              <a:ext uri="{FF2B5EF4-FFF2-40B4-BE49-F238E27FC236}">
+                <a16:creationId xmlns:a16="http://schemas.microsoft.com/office/drawing/2014/main" id="{51D93F1F-F423-ECEC-491D-0691DBF66508}"/>
+              </a:ext>
+            </a:extLst>
+          </p:cNvPr>
+          <p:cNvSpPr txBox="1"/>
+          <p:nvPr/>
+        </p:nvSpPr>
+        <p:spPr>
+          <a:xfrm>
+            <a:off x="6945913" y="4528980"/>
+            <a:ext cx="3621535" cy="338554"/>
+          </a:xfrm>
+          <a:prstGeom prst="rect">
+            <a:avLst/>
+          </a:prstGeom>
+          <a:noFill/>
+        </p:spPr>
+        <p:txBody>
+          <a:bodyPr wrap="square" rtlCol="0">
+            <a:spAutoFit/>
+          </a:bodyPr>
+          <a:lstStyle/>
+          <a:p>
+            <a:pPr algn="ctr"/>
+            <a:r>
+              <a:rPr lang="ja-JP" altLang="en-US" sz="1600" b="1" dirty="0">
+                <a:solidFill>
+                  <a:schemeClr val="bg1"/>
+                </a:solidFill>
+              </a:rPr>
+              <a:t>要素システムの管理・運用独立性</a:t>
+            </a:r>
+            <a:endParaRPr kumimoji="1" lang="ja-JP" altLang="en-US" sz="1600" b="1" dirty="0">
+              <a:solidFill>
+                <a:schemeClr val="bg1"/>
+              </a:solidFill>
+            </a:endParaRPr>
+          </a:p>
+        </p:txBody>
+      </p:sp>
+      <p:sp>
+        <p:nvSpPr>
+          <p:cNvPr id="8" name="正方形/長方形 7">
+            <a:extLst>
+              <a:ext uri="{FF2B5EF4-FFF2-40B4-BE49-F238E27FC236}">
+                <a16:creationId xmlns:a16="http://schemas.microsoft.com/office/drawing/2014/main" id="{FF465353-E1EF-C304-8E12-A568E25E309F}"/>
+              </a:ext>
+            </a:extLst>
+          </p:cNvPr>
+          <p:cNvSpPr/>
+          <p:nvPr/>
+        </p:nvSpPr>
+        <p:spPr>
+          <a:xfrm>
+            <a:off x="454476" y="2670562"/>
+            <a:ext cx="2520000" cy="495128"/>
+          </a:xfrm>
+          <a:prstGeom prst="rect">
+            <a:avLst/>
+          </a:prstGeom>
+          <a:solidFill>
+            <a:schemeClr val="accent1"/>
+          </a:solidFill>
+        </p:spPr>
+        <p:style>
+          <a:lnRef idx="2">
+            <a:schemeClr val="accent1">
+              <a:shade val="50000"/>
+            </a:schemeClr>
+          </a:lnRef>
+          <a:fillRef idx="1">
+            <a:schemeClr val="accent1"/>
+          </a:fillRef>
+          <a:effectRef idx="0">
+            <a:schemeClr val="accent1"/>
+          </a:effectRef>
+          <a:fontRef idx="minor">
+            <a:schemeClr val="lt1"/>
+          </a:fontRef>
+        </p:style>
+        <p:txBody>
+          <a:bodyPr rtlCol="0" anchor="ctr"/>
+          <a:lstStyle/>
+          <a:p>
+            <a:pPr algn="ctr"/>
+            <a:r>
+              <a:rPr kumimoji="1" lang="ja-JP" altLang="en-US" b="1" dirty="0">
+                <a:solidFill>
+                  <a:schemeClr val="bg1"/>
+                </a:solidFill>
+              </a:rPr>
+              <a:t>指揮命令型</a:t>
+            </a:r>
+            <a:endParaRPr kumimoji="1" lang="en-US" altLang="ja-JP" b="1" dirty="0">
+              <a:solidFill>
+                <a:schemeClr val="bg1"/>
+              </a:solidFill>
+            </a:endParaRPr>
+          </a:p>
+        </p:txBody>
+      </p:sp>
+      <p:sp>
+        <p:nvSpPr>
+          <p:cNvPr id="10" name="正方形/長方形 9">
+            <a:extLst>
+              <a:ext uri="{FF2B5EF4-FFF2-40B4-BE49-F238E27FC236}">
+                <a16:creationId xmlns:a16="http://schemas.microsoft.com/office/drawing/2014/main" id="{970B3671-CFF4-04BF-91DC-F3F0C38F63B6}"/>
+              </a:ext>
+            </a:extLst>
+          </p:cNvPr>
+          <p:cNvSpPr/>
+          <p:nvPr/>
+        </p:nvSpPr>
+        <p:spPr>
+          <a:xfrm>
+            <a:off x="3367367" y="2670562"/>
+            <a:ext cx="2520000" cy="495128"/>
+          </a:xfrm>
+          <a:prstGeom prst="rect">
+            <a:avLst/>
+          </a:prstGeom>
+          <a:solidFill>
+            <a:schemeClr val="accent1"/>
+          </a:solidFill>
+        </p:spPr>
+        <p:style>
+          <a:lnRef idx="2">
+            <a:schemeClr val="accent1">
+              <a:shade val="50000"/>
+            </a:schemeClr>
+          </a:lnRef>
+          <a:fillRef idx="1">
+            <a:schemeClr val="accent1"/>
+          </a:fillRef>
+          <a:effectRef idx="0">
+            <a:schemeClr val="accent1"/>
+          </a:effectRef>
+          <a:fontRef idx="minor">
+            <a:schemeClr val="lt1"/>
+          </a:fontRef>
+        </p:style>
+        <p:txBody>
+          <a:bodyPr rtlCol="0" anchor="ctr"/>
+          <a:lstStyle/>
+          <a:p>
+            <a:pPr algn="ctr"/>
+            <a:r>
+              <a:rPr kumimoji="1" lang="ja-JP" altLang="en-US" b="1" dirty="0">
+                <a:solidFill>
+                  <a:schemeClr val="bg1"/>
+                </a:solidFill>
+              </a:rPr>
+              <a:t>要請承認型</a:t>
+            </a:r>
+            <a:endParaRPr kumimoji="1" lang="en-US" altLang="ja-JP" b="1" dirty="0">
+              <a:solidFill>
+                <a:schemeClr val="bg1"/>
+              </a:solidFill>
+            </a:endParaRPr>
+          </a:p>
+        </p:txBody>
+      </p:sp>
+      <p:sp>
+        <p:nvSpPr>
+          <p:cNvPr id="11" name="正方形/長方形 10">
+            <a:extLst>
+              <a:ext uri="{FF2B5EF4-FFF2-40B4-BE49-F238E27FC236}">
+                <a16:creationId xmlns:a16="http://schemas.microsoft.com/office/drawing/2014/main" id="{D91900A9-F231-65A4-5433-DED0D3F46D39}"/>
+              </a:ext>
+            </a:extLst>
+          </p:cNvPr>
+          <p:cNvSpPr/>
+          <p:nvPr/>
+        </p:nvSpPr>
+        <p:spPr>
+          <a:xfrm>
+            <a:off x="6280258" y="2670562"/>
+            <a:ext cx="2520000" cy="495128"/>
+          </a:xfrm>
+          <a:prstGeom prst="rect">
+            <a:avLst/>
+          </a:prstGeom>
+          <a:solidFill>
+            <a:schemeClr val="accent1"/>
+          </a:solidFill>
+        </p:spPr>
+        <p:style>
+          <a:lnRef idx="2">
+            <a:schemeClr val="accent1">
+              <a:shade val="50000"/>
+            </a:schemeClr>
+          </a:lnRef>
+          <a:fillRef idx="1">
+            <a:schemeClr val="accent1"/>
+          </a:fillRef>
+          <a:effectRef idx="0">
+            <a:schemeClr val="accent1"/>
+          </a:effectRef>
+          <a:fontRef idx="minor">
+            <a:schemeClr val="lt1"/>
+          </a:fontRef>
+        </p:style>
+        <p:txBody>
+          <a:bodyPr rtlCol="0" anchor="ctr"/>
+          <a:lstStyle/>
+          <a:p>
+            <a:pPr algn="ctr"/>
+            <a:r>
+              <a:rPr kumimoji="1" lang="ja-JP" altLang="en-US" b="1" dirty="0">
+                <a:solidFill>
+                  <a:schemeClr val="bg1"/>
+                </a:solidFill>
+              </a:rPr>
+              <a:t>協力型</a:t>
+            </a:r>
+            <a:endParaRPr kumimoji="1" lang="en-US" altLang="ja-JP" b="1" dirty="0">
+              <a:solidFill>
+                <a:schemeClr val="bg1"/>
+              </a:solidFill>
+            </a:endParaRPr>
+          </a:p>
+        </p:txBody>
+      </p:sp>
+      <p:sp>
+        <p:nvSpPr>
+          <p:cNvPr id="12" name="正方形/長方形 11">
+            <a:extLst>
+              <a:ext uri="{FF2B5EF4-FFF2-40B4-BE49-F238E27FC236}">
+                <a16:creationId xmlns:a16="http://schemas.microsoft.com/office/drawing/2014/main" id="{A0E78837-F3C1-0E95-A208-99B7D08838CF}"/>
+              </a:ext>
+            </a:extLst>
+          </p:cNvPr>
+          <p:cNvSpPr/>
+          <p:nvPr/>
+        </p:nvSpPr>
+        <p:spPr>
+          <a:xfrm>
+            <a:off x="9193148" y="2670562"/>
+            <a:ext cx="2520000" cy="495128"/>
+          </a:xfrm>
+          <a:prstGeom prst="rect">
+            <a:avLst/>
+          </a:prstGeom>
+          <a:solidFill>
+            <a:schemeClr val="accent1"/>
+          </a:solidFill>
+        </p:spPr>
+        <p:style>
+          <a:lnRef idx="2">
+            <a:schemeClr val="accent1">
+              <a:shade val="50000"/>
+            </a:schemeClr>
+          </a:lnRef>
+          <a:fillRef idx="1">
+            <a:schemeClr val="accent1"/>
+          </a:fillRef>
+          <a:effectRef idx="0">
+            <a:schemeClr val="accent1"/>
+          </a:effectRef>
+          <a:fontRef idx="minor">
+            <a:schemeClr val="lt1"/>
+          </a:fontRef>
+        </p:style>
+        <p:txBody>
+          <a:bodyPr rtlCol="0" anchor="ctr"/>
+          <a:lstStyle/>
+          <a:p>
+            <a:pPr algn="ctr"/>
+            <a:r>
+              <a:rPr kumimoji="1" lang="ja-JP" altLang="en-US" b="1" dirty="0">
+                <a:solidFill>
+                  <a:schemeClr val="bg1"/>
+                </a:solidFill>
+              </a:rPr>
+              <a:t>仮想型</a:t>
+            </a:r>
+            <a:endParaRPr kumimoji="1" lang="en-US" altLang="ja-JP" b="1" dirty="0">
+              <a:solidFill>
+                <a:schemeClr val="bg1"/>
+              </a:solidFill>
+            </a:endParaRPr>
+          </a:p>
+        </p:txBody>
+      </p:sp>
+      <p:sp>
+        <p:nvSpPr>
+          <p:cNvPr id="13" name="テキスト ボックス 12">
+            <a:extLst>
+              <a:ext uri="{FF2B5EF4-FFF2-40B4-BE49-F238E27FC236}">
+                <a16:creationId xmlns:a16="http://schemas.microsoft.com/office/drawing/2014/main" id="{4BD18824-88BA-05CD-8EFA-670C2AB4B899}"/>
+              </a:ext>
+            </a:extLst>
+          </p:cNvPr>
+          <p:cNvSpPr txBox="1"/>
+          <p:nvPr/>
+        </p:nvSpPr>
+        <p:spPr>
+          <a:xfrm>
+            <a:off x="1179555" y="3299500"/>
+            <a:ext cx="1069841" cy="338554"/>
+          </a:xfrm>
+          <a:prstGeom prst="rect">
+            <a:avLst/>
+          </a:prstGeom>
+          <a:noFill/>
+        </p:spPr>
+        <p:txBody>
+          <a:bodyPr wrap="square" rtlCol="0">
+            <a:spAutoFit/>
+          </a:bodyPr>
+          <a:lstStyle/>
+          <a:p>
+            <a:pPr algn="ctr"/>
+            <a:r>
+              <a:rPr kumimoji="1" lang="ja-JP" altLang="en-US" sz="1600" dirty="0"/>
+              <a:t>トップダウン</a:t>
+            </a:r>
+          </a:p>
+        </p:txBody>
+      </p:sp>
+      <p:sp>
+        <p:nvSpPr>
+          <p:cNvPr id="14" name="テキスト ボックス 13">
+            <a:extLst>
+              <a:ext uri="{FF2B5EF4-FFF2-40B4-BE49-F238E27FC236}">
+                <a16:creationId xmlns:a16="http://schemas.microsoft.com/office/drawing/2014/main" id="{DE5B25B4-85D9-9857-AEC2-18F407D6DBD5}"/>
+              </a:ext>
+            </a:extLst>
+          </p:cNvPr>
+          <p:cNvSpPr txBox="1"/>
+          <p:nvPr/>
+        </p:nvSpPr>
+        <p:spPr>
+          <a:xfrm>
+            <a:off x="4092446" y="3299500"/>
+            <a:ext cx="1069841" cy="338554"/>
+          </a:xfrm>
+          <a:prstGeom prst="rect">
+            <a:avLst/>
+          </a:prstGeom>
+          <a:noFill/>
+        </p:spPr>
+        <p:txBody>
+          <a:bodyPr wrap="square" rtlCol="0">
+            <a:spAutoFit/>
+          </a:bodyPr>
+          <a:lstStyle/>
+          <a:p>
+            <a:pPr algn="ctr"/>
+            <a:r>
+              <a:rPr kumimoji="1" lang="ja-JP" altLang="en-US" sz="1600" dirty="0"/>
+              <a:t>要請</a:t>
+            </a:r>
+          </a:p>
+        </p:txBody>
+      </p:sp>
+      <p:sp>
+        <p:nvSpPr>
+          <p:cNvPr id="15" name="テキスト ボックス 14">
+            <a:extLst>
+              <a:ext uri="{FF2B5EF4-FFF2-40B4-BE49-F238E27FC236}">
+                <a16:creationId xmlns:a16="http://schemas.microsoft.com/office/drawing/2014/main" id="{C4C642D7-AE98-5223-65CF-E73C94CB248D}"/>
+              </a:ext>
+            </a:extLst>
+          </p:cNvPr>
+          <p:cNvSpPr txBox="1"/>
+          <p:nvPr/>
+        </p:nvSpPr>
+        <p:spPr>
+          <a:xfrm>
+            <a:off x="7005337" y="3298647"/>
+            <a:ext cx="1069841" cy="338554"/>
+          </a:xfrm>
+          <a:prstGeom prst="rect">
+            <a:avLst/>
+          </a:prstGeom>
+          <a:noFill/>
+        </p:spPr>
+        <p:txBody>
+          <a:bodyPr wrap="square" rtlCol="0">
+            <a:spAutoFit/>
+          </a:bodyPr>
+          <a:lstStyle/>
+          <a:p>
+            <a:pPr algn="ctr"/>
+            <a:r>
+              <a:rPr kumimoji="1" lang="ja-JP" altLang="en-US" sz="1600" dirty="0"/>
+              <a:t>誘導</a:t>
+            </a:r>
+          </a:p>
+        </p:txBody>
+      </p:sp>
+      <p:sp>
+        <p:nvSpPr>
+          <p:cNvPr id="16" name="テキスト ボックス 15">
+            <a:extLst>
+              <a:ext uri="{FF2B5EF4-FFF2-40B4-BE49-F238E27FC236}">
+                <a16:creationId xmlns:a16="http://schemas.microsoft.com/office/drawing/2014/main" id="{6C5038E9-0CD2-AF46-44CC-82B956AC8DF2}"/>
+              </a:ext>
+            </a:extLst>
+          </p:cNvPr>
+          <p:cNvSpPr txBox="1"/>
+          <p:nvPr/>
+        </p:nvSpPr>
+        <p:spPr>
+          <a:xfrm>
+            <a:off x="9918227" y="3297268"/>
+            <a:ext cx="1069841" cy="338554"/>
+          </a:xfrm>
+          <a:prstGeom prst="rect">
+            <a:avLst/>
+          </a:prstGeom>
+          <a:noFill/>
+        </p:spPr>
+        <p:txBody>
+          <a:bodyPr wrap="square" rtlCol="0">
+            <a:spAutoFit/>
+          </a:bodyPr>
+          <a:lstStyle/>
+          <a:p>
+            <a:pPr algn="ctr"/>
+            <a:r>
+              <a:rPr kumimoji="1" lang="ja-JP" altLang="en-US" sz="1600" dirty="0"/>
+              <a:t>偶発</a:t>
+            </a:r>
           </a:p>
         </p:txBody>
       </p:sp>
     </p:spTree>
     <p:extLst>
       <p:ext uri="{BB962C8B-B14F-4D97-AF65-F5344CB8AC3E}">
-        <p14:creationId xmlns:p14="http://schemas.microsoft.com/office/powerpoint/2010/main" val="3899479377"/>
+        <p14:creationId xmlns:p14="http://schemas.microsoft.com/office/powerpoint/2010/main" val="854729381"/>
       </p:ext>
     </p:extLst>
   </p:cSld>
@@ -16760,16 +16700,12 @@
           <a:lstStyle/>
           <a:p>
             <a:r>
-              <a:rPr lang="ja-JP" altLang="en-US" dirty="0"/>
-              <a:t>シンプルな</a:t>
-            </a:r>
-            <a:r>
               <a:rPr lang="en-US" altLang="ja-JP" dirty="0"/>
               <a:t>SoS</a:t>
             </a:r>
             <a:r>
               <a:rPr lang="ja-JP" altLang="en-US" dirty="0"/>
-              <a:t>事例</a:t>
+              <a:t>の事例：電力インフラ</a:t>
             </a:r>
             <a:endParaRPr lang="en-US" dirty="0"/>
           </a:p>
@@ -16821,35 +16757,68 @@
             <p:ph type="body" sz="quarter" idx="11"/>
           </p:nvPr>
         </p:nvSpPr>
-        <p:spPr>
-          <a:xfrm>
-            <a:off x="517055" y="1071367"/>
-            <a:ext cx="11341887" cy="4464020"/>
-          </a:xfrm>
-        </p:spPr>
+        <p:spPr/>
         <p:txBody>
           <a:bodyPr/>
           <a:lstStyle/>
           <a:p>
             <a:r>
               <a:rPr lang="ja-JP" altLang="en-US" dirty="0"/>
-              <a:t>電力インフラ</a:t>
+              <a:t>電力システム改革：発送電分離・自由化によって、需要家の利便性を維持しつつ、複数事業者間の連携方法が必要。</a:t>
             </a:r>
             <a:endParaRPr lang="en-US" altLang="ja-JP" dirty="0"/>
           </a:p>
           <a:p>
             <a:r>
               <a:rPr lang="ja-JP" altLang="en-US" dirty="0"/>
-              <a:t>鉄道の相互乗り入れ・ダイヤ改正</a:t>
-            </a:r>
-            <a:endParaRPr lang="en-US" altLang="ja-JP" sz="2000" dirty="0"/>
+              <a:t>再生可能エネルギーの導入：需要家を含めた分散型電源、自然の不確実性、供給側の脱炭素化のために、需給連携が必要。（デマンドレスポンス、</a:t>
+            </a:r>
+            <a:r>
+              <a:rPr lang="en-US" altLang="ja-JP" dirty="0"/>
+              <a:t>VPP</a:t>
+            </a:r>
+            <a:r>
+              <a:rPr lang="ja-JP" altLang="en-US" dirty="0"/>
+              <a:t>、</a:t>
+            </a:r>
+            <a:r>
+              <a:rPr lang="en-US" altLang="ja-JP" dirty="0"/>
+              <a:t>P2P</a:t>
+            </a:r>
+            <a:r>
+              <a:rPr lang="ja-JP" altLang="en-US" dirty="0"/>
+              <a:t>、</a:t>
+            </a:r>
+            <a:r>
+              <a:rPr lang="en-US" altLang="ja-JP" dirty="0"/>
+              <a:t>FPP</a:t>
+            </a:r>
+            <a:r>
+              <a:rPr lang="ja-JP" altLang="en-US" dirty="0"/>
+              <a:t>、</a:t>
+            </a:r>
+            <a:r>
+              <a:rPr lang="en-US" altLang="ja-JP" dirty="0"/>
+              <a:t>TES</a:t>
+            </a:r>
+            <a:r>
+              <a:rPr lang="ja-JP" altLang="en-US" dirty="0"/>
+              <a:t>）</a:t>
+            </a:r>
+            <a:endParaRPr lang="en-US" altLang="ja-JP" dirty="0"/>
+          </a:p>
+          <a:p>
+            <a:endParaRPr lang="en-US" altLang="ja-JP" dirty="0"/>
+          </a:p>
+          <a:p>
+            <a:endParaRPr lang="en-US" altLang="ja-JP" dirty="0"/>
           </a:p>
         </p:txBody>
       </p:sp>
     </p:spTree>
     <p:extLst>
       <p:ext uri="{BB962C8B-B14F-4D97-AF65-F5344CB8AC3E}">
-        <p14:creationId xmlns:p14="http://schemas.microsoft.com/office/powerpoint/2010/main" val="1330675545"/>
+        <p14:creationId xmlns:p14="http://schemas.microsoft.com/office/powerpoint/2010/main" val="1547100331"/>
       </p:ext>
     </p:extLst>
   </p:cSld>
